--- a/doc/algo_trading.pptx
+++ b/doc/algo_trading.pptx
@@ -6,28 +6,29 @@
     <p:sldMasterId id="2147483661" r:id="rId3"/>
     <p:sldMasterId id="2147483674" r:id="rId4"/>
     <p:sldMasterId id="2147483687" r:id="rId5"/>
+    <p:sldMasterId id="2147483700" r:id="rId6"/>
   </p:sldMasterIdLst>
   <p:sldIdLst>
-    <p:sldId id="256" r:id="rId6"/>
-    <p:sldId id="257" r:id="rId7"/>
-    <p:sldId id="258" r:id="rId8"/>
-    <p:sldId id="259" r:id="rId9"/>
-    <p:sldId id="260" r:id="rId10"/>
-    <p:sldId id="261" r:id="rId11"/>
-    <p:sldId id="262" r:id="rId12"/>
-    <p:sldId id="263" r:id="rId13"/>
-    <p:sldId id="264" r:id="rId14"/>
-    <p:sldId id="265" r:id="rId15"/>
-    <p:sldId id="266" r:id="rId16"/>
-    <p:sldId id="267" r:id="rId17"/>
-    <p:sldId id="268" r:id="rId18"/>
-    <p:sldId id="269" r:id="rId19"/>
-    <p:sldId id="270" r:id="rId20"/>
-    <p:sldId id="271" r:id="rId21"/>
-    <p:sldId id="272" r:id="rId22"/>
-    <p:sldId id="273" r:id="rId23"/>
-    <p:sldId id="274" r:id="rId24"/>
-    <p:sldId id="275" r:id="rId25"/>
+    <p:sldId id="256" r:id="rId7"/>
+    <p:sldId id="257" r:id="rId8"/>
+    <p:sldId id="258" r:id="rId9"/>
+    <p:sldId id="259" r:id="rId10"/>
+    <p:sldId id="260" r:id="rId11"/>
+    <p:sldId id="261" r:id="rId12"/>
+    <p:sldId id="262" r:id="rId13"/>
+    <p:sldId id="263" r:id="rId14"/>
+    <p:sldId id="264" r:id="rId15"/>
+    <p:sldId id="265" r:id="rId16"/>
+    <p:sldId id="266" r:id="rId17"/>
+    <p:sldId id="267" r:id="rId18"/>
+    <p:sldId id="268" r:id="rId19"/>
+    <p:sldId id="269" r:id="rId20"/>
+    <p:sldId id="270" r:id="rId21"/>
+    <p:sldId id="271" r:id="rId22"/>
+    <p:sldId id="272" r:id="rId23"/>
+    <p:sldId id="273" r:id="rId24"/>
+    <p:sldId id="274" r:id="rId25"/>
+    <p:sldId id="275" r:id="rId26"/>
   </p:sldIdLst>
   <p:sldSz cx="10080625" cy="7559675"/>
   <p:notesSz cx="7772400" cy="10058400"/>
@@ -86,7 +87,7 @@
         <p:spPr>
           <a:xfrm>
             <a:off x="504000" y="301320"/>
-            <a:ext cx="9071280" cy="1262160"/>
+            <a:ext cx="9070560" cy="1262160"/>
           </a:xfrm>
           <a:prstGeom prst="rect">
             <a:avLst/>
@@ -187,7 +188,7 @@
         <p:spPr>
           <a:xfrm>
             <a:off x="504000" y="301320"/>
-            <a:ext cx="9071280" cy="1262160"/>
+            <a:ext cx="9070560" cy="1262160"/>
           </a:xfrm>
           <a:prstGeom prst="rect">
             <a:avLst/>
@@ -340,7 +341,7 @@
         <p:spPr>
           <a:xfrm>
             <a:off x="504000" y="301320"/>
-            <a:ext cx="9071280" cy="1262160"/>
+            <a:ext cx="9070560" cy="1262160"/>
           </a:xfrm>
           <a:prstGeom prst="rect">
             <a:avLst/>
@@ -513,7 +514,7 @@
         <p:spPr>
           <a:xfrm>
             <a:off x="504000" y="301320"/>
-            <a:ext cx="9071280" cy="1262160"/>
+            <a:ext cx="9070560" cy="1262160"/>
           </a:xfrm>
           <a:prstGeom prst="rect">
             <a:avLst/>
@@ -589,7 +590,7 @@
         <p:spPr>
           <a:xfrm>
             <a:off x="504000" y="301320"/>
-            <a:ext cx="9071280" cy="1262160"/>
+            <a:ext cx="9070560" cy="1262160"/>
           </a:xfrm>
           <a:prstGeom prst="rect">
             <a:avLst/>
@@ -664,7 +665,7 @@
         <p:spPr>
           <a:xfrm>
             <a:off x="504000" y="301320"/>
-            <a:ext cx="9071280" cy="1262160"/>
+            <a:ext cx="9070560" cy="1262160"/>
           </a:xfrm>
           <a:prstGeom prst="rect">
             <a:avLst/>
@@ -765,7 +766,7 @@
         <p:spPr>
           <a:xfrm>
             <a:off x="504000" y="301320"/>
-            <a:ext cx="9071280" cy="1262160"/>
+            <a:ext cx="9070560" cy="1262160"/>
           </a:xfrm>
           <a:prstGeom prst="rect">
             <a:avLst/>
@@ -814,7 +815,7 @@
         <p:spPr>
           <a:xfrm>
             <a:off x="504000" y="301320"/>
-            <a:ext cx="9071280" cy="5850720"/>
+            <a:ext cx="9070560" cy="5850720"/>
           </a:xfrm>
           <a:prstGeom prst="rect">
             <a:avLst/>
@@ -863,7 +864,7 @@
         <p:spPr>
           <a:xfrm>
             <a:off x="504000" y="301320"/>
-            <a:ext cx="9071280" cy="1262160"/>
+            <a:ext cx="9070560" cy="1262160"/>
           </a:xfrm>
           <a:prstGeom prst="rect">
             <a:avLst/>
@@ -990,7 +991,7 @@
         <p:spPr>
           <a:xfrm>
             <a:off x="504000" y="301320"/>
-            <a:ext cx="9071280" cy="1262160"/>
+            <a:ext cx="9070560" cy="1262160"/>
           </a:xfrm>
           <a:prstGeom prst="rect">
             <a:avLst/>
@@ -1066,7 +1067,7 @@
         <p:spPr>
           <a:xfrm>
             <a:off x="504000" y="301320"/>
-            <a:ext cx="9071280" cy="1262160"/>
+            <a:ext cx="9070560" cy="1262160"/>
           </a:xfrm>
           <a:prstGeom prst="rect">
             <a:avLst/>
@@ -1193,7 +1194,7 @@
         <p:spPr>
           <a:xfrm>
             <a:off x="504000" y="301320"/>
-            <a:ext cx="9071280" cy="1262160"/>
+            <a:ext cx="9070560" cy="1262160"/>
           </a:xfrm>
           <a:prstGeom prst="rect">
             <a:avLst/>
@@ -1320,7 +1321,7 @@
         <p:spPr>
           <a:xfrm>
             <a:off x="504000" y="301320"/>
-            <a:ext cx="9071280" cy="1262160"/>
+            <a:ext cx="9070560" cy="1262160"/>
           </a:xfrm>
           <a:prstGeom prst="rect">
             <a:avLst/>
@@ -1421,7 +1422,7 @@
         <p:spPr>
           <a:xfrm>
             <a:off x="504000" y="301320"/>
-            <a:ext cx="9071280" cy="1262160"/>
+            <a:ext cx="9070560" cy="1262160"/>
           </a:xfrm>
           <a:prstGeom prst="rect">
             <a:avLst/>
@@ -1574,7 +1575,7 @@
         <p:spPr>
           <a:xfrm>
             <a:off x="504000" y="301320"/>
-            <a:ext cx="9071280" cy="1262160"/>
+            <a:ext cx="9070560" cy="1262160"/>
           </a:xfrm>
           <a:prstGeom prst="rect">
             <a:avLst/>
@@ -1747,7 +1748,7 @@
         <p:spPr>
           <a:xfrm>
             <a:off x="504000" y="301320"/>
-            <a:ext cx="9071280" cy="1262160"/>
+            <a:ext cx="9070560" cy="1262160"/>
           </a:xfrm>
           <a:prstGeom prst="rect">
             <a:avLst/>
@@ -1823,7 +1824,7 @@
         <p:spPr>
           <a:xfrm>
             <a:off x="504000" y="301320"/>
-            <a:ext cx="9071280" cy="1262160"/>
+            <a:ext cx="9070560" cy="1262160"/>
           </a:xfrm>
           <a:prstGeom prst="rect">
             <a:avLst/>
@@ -1898,7 +1899,7 @@
         <p:spPr>
           <a:xfrm>
             <a:off x="504000" y="301320"/>
-            <a:ext cx="9071280" cy="1262160"/>
+            <a:ext cx="9070560" cy="1262160"/>
           </a:xfrm>
           <a:prstGeom prst="rect">
             <a:avLst/>
@@ -1999,7 +2000,7 @@
         <p:spPr>
           <a:xfrm>
             <a:off x="504000" y="301320"/>
-            <a:ext cx="9071280" cy="1262160"/>
+            <a:ext cx="9070560" cy="1262160"/>
           </a:xfrm>
           <a:prstGeom prst="rect">
             <a:avLst/>
@@ -2048,7 +2049,7 @@
         <p:spPr>
           <a:xfrm>
             <a:off x="504000" y="301320"/>
-            <a:ext cx="9071280" cy="1262160"/>
+            <a:ext cx="9070560" cy="1262160"/>
           </a:xfrm>
           <a:prstGeom prst="rect">
             <a:avLst/>
@@ -2123,7 +2124,7 @@
         <p:spPr>
           <a:xfrm>
             <a:off x="504000" y="301320"/>
-            <a:ext cx="9071280" cy="5850720"/>
+            <a:ext cx="9070560" cy="5850720"/>
           </a:xfrm>
           <a:prstGeom prst="rect">
             <a:avLst/>
@@ -2172,7 +2173,7 @@
         <p:spPr>
           <a:xfrm>
             <a:off x="504000" y="301320"/>
-            <a:ext cx="9071280" cy="1262160"/>
+            <a:ext cx="9070560" cy="1262160"/>
           </a:xfrm>
           <a:prstGeom prst="rect">
             <a:avLst/>
@@ -2299,7 +2300,7 @@
         <p:spPr>
           <a:xfrm>
             <a:off x="504000" y="301320"/>
-            <a:ext cx="9071280" cy="1262160"/>
+            <a:ext cx="9070560" cy="1262160"/>
           </a:xfrm>
           <a:prstGeom prst="rect">
             <a:avLst/>
@@ -2426,7 +2427,7 @@
         <p:spPr>
           <a:xfrm>
             <a:off x="504000" y="301320"/>
-            <a:ext cx="9071280" cy="1262160"/>
+            <a:ext cx="9070560" cy="1262160"/>
           </a:xfrm>
           <a:prstGeom prst="rect">
             <a:avLst/>
@@ -2553,7 +2554,7 @@
         <p:spPr>
           <a:xfrm>
             <a:off x="504000" y="301320"/>
-            <a:ext cx="9071280" cy="1262160"/>
+            <a:ext cx="9070560" cy="1262160"/>
           </a:xfrm>
           <a:prstGeom prst="rect">
             <a:avLst/>
@@ -2654,7 +2655,7 @@
         <p:spPr>
           <a:xfrm>
             <a:off x="504000" y="301320"/>
-            <a:ext cx="9071280" cy="1262160"/>
+            <a:ext cx="9070560" cy="1262160"/>
           </a:xfrm>
           <a:prstGeom prst="rect">
             <a:avLst/>
@@ -2807,7 +2808,7 @@
         <p:spPr>
           <a:xfrm>
             <a:off x="504000" y="301320"/>
-            <a:ext cx="9071280" cy="1262160"/>
+            <a:ext cx="9070560" cy="1262160"/>
           </a:xfrm>
           <a:prstGeom prst="rect">
             <a:avLst/>
@@ -2980,7 +2981,7 @@
         <p:spPr>
           <a:xfrm>
             <a:off x="504000" y="301320"/>
-            <a:ext cx="9071280" cy="1262160"/>
+            <a:ext cx="9070560" cy="1262160"/>
           </a:xfrm>
           <a:prstGeom prst="rect">
             <a:avLst/>
@@ -3056,7 +3057,7 @@
         <p:spPr>
           <a:xfrm>
             <a:off x="504000" y="301320"/>
-            <a:ext cx="9071280" cy="1262160"/>
+            <a:ext cx="9070560" cy="1262160"/>
           </a:xfrm>
           <a:prstGeom prst="rect">
             <a:avLst/>
@@ -3131,7 +3132,7 @@
         <p:spPr>
           <a:xfrm>
             <a:off x="504000" y="301320"/>
-            <a:ext cx="9071280" cy="1262160"/>
+            <a:ext cx="9070560" cy="1262160"/>
           </a:xfrm>
           <a:prstGeom prst="rect">
             <a:avLst/>
@@ -3232,7 +3233,7 @@
         <p:spPr>
           <a:xfrm>
             <a:off x="504000" y="301320"/>
-            <a:ext cx="9071280" cy="1262160"/>
+            <a:ext cx="9070560" cy="1262160"/>
           </a:xfrm>
           <a:prstGeom prst="rect">
             <a:avLst/>
@@ -3333,7 +3334,7 @@
         <p:spPr>
           <a:xfrm>
             <a:off x="504000" y="301320"/>
-            <a:ext cx="9071280" cy="1262160"/>
+            <a:ext cx="9070560" cy="1262160"/>
           </a:xfrm>
           <a:prstGeom prst="rect">
             <a:avLst/>
@@ -3382,7 +3383,7 @@
         <p:spPr>
           <a:xfrm>
             <a:off x="504000" y="301320"/>
-            <a:ext cx="9071280" cy="5850720"/>
+            <a:ext cx="9070560" cy="5850720"/>
           </a:xfrm>
           <a:prstGeom prst="rect">
             <a:avLst/>
@@ -3431,7 +3432,7 @@
         <p:spPr>
           <a:xfrm>
             <a:off x="504000" y="301320"/>
-            <a:ext cx="9071280" cy="1262160"/>
+            <a:ext cx="9070560" cy="1262160"/>
           </a:xfrm>
           <a:prstGeom prst="rect">
             <a:avLst/>
@@ -3558,7 +3559,7 @@
         <p:spPr>
           <a:xfrm>
             <a:off x="504000" y="301320"/>
-            <a:ext cx="9071280" cy="1262160"/>
+            <a:ext cx="9070560" cy="1262160"/>
           </a:xfrm>
           <a:prstGeom prst="rect">
             <a:avLst/>
@@ -3685,7 +3686,7 @@
         <p:spPr>
           <a:xfrm>
             <a:off x="504000" y="301320"/>
-            <a:ext cx="9071280" cy="1262160"/>
+            <a:ext cx="9070560" cy="1262160"/>
           </a:xfrm>
           <a:prstGeom prst="rect">
             <a:avLst/>
@@ -3812,7 +3813,7 @@
         <p:spPr>
           <a:xfrm>
             <a:off x="504000" y="301320"/>
-            <a:ext cx="9071280" cy="1262160"/>
+            <a:ext cx="9070560" cy="1262160"/>
           </a:xfrm>
           <a:prstGeom prst="rect">
             <a:avLst/>
@@ -3913,7 +3914,7 @@
         <p:spPr>
           <a:xfrm>
             <a:off x="504000" y="301320"/>
-            <a:ext cx="9071280" cy="1262160"/>
+            <a:ext cx="9070560" cy="1262160"/>
           </a:xfrm>
           <a:prstGeom prst="rect">
             <a:avLst/>
@@ -4066,7 +4067,7 @@
         <p:spPr>
           <a:xfrm>
             <a:off x="504000" y="301320"/>
-            <a:ext cx="9071280" cy="1262160"/>
+            <a:ext cx="9070560" cy="1262160"/>
           </a:xfrm>
           <a:prstGeom prst="rect">
             <a:avLst/>
@@ -4182,6 +4183,28 @@
           </a:ln>
         </p:spPr>
       </p:pic>
+    </p:spTree>
+  </p:cSld>
+</p:sldLayout>
+</file>
+
+<file path=ppt/slideLayouts/slideLayout49.xml><?xml version="1.0" encoding="utf-8"?>
+<p:sldLayout xmlns:a="http://schemas.openxmlformats.org/drawingml/2006/main" xmlns:p="http://schemas.openxmlformats.org/presentationml/2006/main" xmlns:r="http://schemas.openxmlformats.org/officeDocument/2006/relationships" type="blank" preserve="1">
+  <p:cSld name="Blank Slide">
+    <p:spTree>
+      <p:nvGrpSpPr>
+        <p:cNvPr id="1" name=""/>
+        <p:cNvGrpSpPr/>
+        <p:nvPr/>
+      </p:nvGrpSpPr>
+      <p:grpSpPr>
+        <a:xfrm>
+          <a:off x="0" y="0"/>
+          <a:ext cx="0" cy="0"/>
+          <a:chOff x="0" y="0"/>
+          <a:chExt cx="0" cy="0"/>
+        </a:xfrm>
+      </p:grpSpPr>
     </p:spTree>
   </p:cSld>
 </p:sldLayout>
@@ -4217,7 +4240,7 @@
         <p:spPr>
           <a:xfrm>
             <a:off x="504000" y="301320"/>
-            <a:ext cx="9071280" cy="1262160"/>
+            <a:ext cx="9070560" cy="1262160"/>
           </a:xfrm>
           <a:prstGeom prst="rect">
             <a:avLst/>
@@ -4227,6 +4250,991 @@
           <a:bodyPr lIns="0" rIns="0" tIns="0" bIns="0" anchor="ctr"/>
           <a:p>
             <a:pPr algn="ctr"/>
+            <a:endParaRPr/>
+          </a:p>
+        </p:txBody>
+      </p:sp>
+    </p:spTree>
+  </p:cSld>
+</p:sldLayout>
+</file>
+
+<file path=ppt/slideLayouts/slideLayout50.xml><?xml version="1.0" encoding="utf-8"?>
+<p:sldLayout xmlns:a="http://schemas.openxmlformats.org/drawingml/2006/main" xmlns:p="http://schemas.openxmlformats.org/presentationml/2006/main" xmlns:r="http://schemas.openxmlformats.org/officeDocument/2006/relationships" type="tx" preserve="1">
+  <p:cSld name="Title Slide">
+    <p:spTree>
+      <p:nvGrpSpPr>
+        <p:cNvPr id="1" name=""/>
+        <p:cNvGrpSpPr/>
+        <p:nvPr/>
+      </p:nvGrpSpPr>
+      <p:grpSpPr>
+        <a:xfrm>
+          <a:off x="0" y="0"/>
+          <a:ext cx="0" cy="0"/>
+          <a:chOff x="0" y="0"/>
+          <a:chExt cx="0" cy="0"/>
+        </a:xfrm>
+      </p:grpSpPr>
+      <p:sp>
+        <p:nvSpPr>
+          <p:cNvPr id="146" name="PlaceHolder 1"/>
+          <p:cNvSpPr>
+            <a:spLocks noGrp="1"/>
+          </p:cNvSpPr>
+          <p:nvPr>
+            <p:ph type="title"/>
+          </p:nvPr>
+        </p:nvSpPr>
+        <p:spPr>
+          <a:xfrm>
+            <a:off x="504000" y="301320"/>
+            <a:ext cx="9070560" cy="1262160"/>
+          </a:xfrm>
+          <a:prstGeom prst="rect">
+            <a:avLst/>
+          </a:prstGeom>
+        </p:spPr>
+        <p:txBody>
+          <a:bodyPr lIns="0" rIns="0" tIns="0" bIns="0" anchor="ctr"/>
+          <a:p>
+            <a:pPr algn="ctr"/>
+            <a:endParaRPr/>
+          </a:p>
+        </p:txBody>
+      </p:sp>
+      <p:sp>
+        <p:nvSpPr>
+          <p:cNvPr id="147" name="PlaceHolder 2"/>
+          <p:cNvSpPr>
+            <a:spLocks noGrp="1"/>
+          </p:cNvSpPr>
+          <p:nvPr>
+            <p:ph type="subTitle"/>
+          </p:nvPr>
+        </p:nvSpPr>
+        <p:spPr>
+          <a:xfrm>
+            <a:off x="504000" y="1768680"/>
+            <a:ext cx="9072000" cy="4384440"/>
+          </a:xfrm>
+          <a:prstGeom prst="rect">
+            <a:avLst/>
+          </a:prstGeom>
+        </p:spPr>
+        <p:txBody>
+          <a:bodyPr lIns="0" rIns="0" tIns="0" bIns="0" anchor="ctr"/>
+          <a:p>
+            <a:pPr algn="ctr"/>
+            <a:endParaRPr/>
+          </a:p>
+        </p:txBody>
+      </p:sp>
+    </p:spTree>
+  </p:cSld>
+</p:sldLayout>
+</file>
+
+<file path=ppt/slideLayouts/slideLayout51.xml><?xml version="1.0" encoding="utf-8"?>
+<p:sldLayout xmlns:a="http://schemas.openxmlformats.org/drawingml/2006/main" xmlns:p="http://schemas.openxmlformats.org/presentationml/2006/main" xmlns:r="http://schemas.openxmlformats.org/officeDocument/2006/relationships" type="obj" preserve="1">
+  <p:cSld name="Title, Content">
+    <p:spTree>
+      <p:nvGrpSpPr>
+        <p:cNvPr id="1" name=""/>
+        <p:cNvGrpSpPr/>
+        <p:nvPr/>
+      </p:nvGrpSpPr>
+      <p:grpSpPr>
+        <a:xfrm>
+          <a:off x="0" y="0"/>
+          <a:ext cx="0" cy="0"/>
+          <a:chOff x="0" y="0"/>
+          <a:chExt cx="0" cy="0"/>
+        </a:xfrm>
+      </p:grpSpPr>
+      <p:sp>
+        <p:nvSpPr>
+          <p:cNvPr id="148" name="PlaceHolder 1"/>
+          <p:cNvSpPr>
+            <a:spLocks noGrp="1"/>
+          </p:cNvSpPr>
+          <p:nvPr>
+            <p:ph type="title"/>
+          </p:nvPr>
+        </p:nvSpPr>
+        <p:spPr>
+          <a:xfrm>
+            <a:off x="504000" y="301320"/>
+            <a:ext cx="9070560" cy="1262160"/>
+          </a:xfrm>
+          <a:prstGeom prst="rect">
+            <a:avLst/>
+          </a:prstGeom>
+        </p:spPr>
+        <p:txBody>
+          <a:bodyPr lIns="0" rIns="0" tIns="0" bIns="0" anchor="ctr"/>
+          <a:p>
+            <a:pPr algn="ctr"/>
+            <a:endParaRPr/>
+          </a:p>
+        </p:txBody>
+      </p:sp>
+      <p:sp>
+        <p:nvSpPr>
+          <p:cNvPr id="149" name="PlaceHolder 2"/>
+          <p:cNvSpPr>
+            <a:spLocks noGrp="1"/>
+          </p:cNvSpPr>
+          <p:nvPr>
+            <p:ph type="body"/>
+          </p:nvPr>
+        </p:nvSpPr>
+        <p:spPr>
+          <a:xfrm>
+            <a:off x="504000" y="1768680"/>
+            <a:ext cx="9072000" cy="4384080"/>
+          </a:xfrm>
+          <a:prstGeom prst="rect">
+            <a:avLst/>
+          </a:prstGeom>
+        </p:spPr>
+        <p:txBody>
+          <a:bodyPr lIns="0" rIns="0" tIns="0" bIns="0"/>
+          <a:p>
+            <a:endParaRPr/>
+          </a:p>
+        </p:txBody>
+      </p:sp>
+    </p:spTree>
+  </p:cSld>
+</p:sldLayout>
+</file>
+
+<file path=ppt/slideLayouts/slideLayout52.xml><?xml version="1.0" encoding="utf-8"?>
+<p:sldLayout xmlns:a="http://schemas.openxmlformats.org/drawingml/2006/main" xmlns:p="http://schemas.openxmlformats.org/presentationml/2006/main" xmlns:r="http://schemas.openxmlformats.org/officeDocument/2006/relationships" type="twoObj" preserve="1">
+  <p:cSld name="Title, 2 Content">
+    <p:spTree>
+      <p:nvGrpSpPr>
+        <p:cNvPr id="1" name=""/>
+        <p:cNvGrpSpPr/>
+        <p:nvPr/>
+      </p:nvGrpSpPr>
+      <p:grpSpPr>
+        <a:xfrm>
+          <a:off x="0" y="0"/>
+          <a:ext cx="0" cy="0"/>
+          <a:chOff x="0" y="0"/>
+          <a:chExt cx="0" cy="0"/>
+        </a:xfrm>
+      </p:grpSpPr>
+      <p:sp>
+        <p:nvSpPr>
+          <p:cNvPr id="150" name="PlaceHolder 1"/>
+          <p:cNvSpPr>
+            <a:spLocks noGrp="1"/>
+          </p:cNvSpPr>
+          <p:nvPr>
+            <p:ph type="title"/>
+          </p:nvPr>
+        </p:nvSpPr>
+        <p:spPr>
+          <a:xfrm>
+            <a:off x="504000" y="301320"/>
+            <a:ext cx="9070560" cy="1262160"/>
+          </a:xfrm>
+          <a:prstGeom prst="rect">
+            <a:avLst/>
+          </a:prstGeom>
+        </p:spPr>
+        <p:txBody>
+          <a:bodyPr lIns="0" rIns="0" tIns="0" bIns="0" anchor="ctr"/>
+          <a:p>
+            <a:pPr algn="ctr"/>
+            <a:endParaRPr/>
+          </a:p>
+        </p:txBody>
+      </p:sp>
+      <p:sp>
+        <p:nvSpPr>
+          <p:cNvPr id="151" name="PlaceHolder 2"/>
+          <p:cNvSpPr>
+            <a:spLocks noGrp="1"/>
+          </p:cNvSpPr>
+          <p:nvPr>
+            <p:ph type="body"/>
+          </p:nvPr>
+        </p:nvSpPr>
+        <p:spPr>
+          <a:xfrm>
+            <a:off x="504000" y="1768680"/>
+            <a:ext cx="4426920" cy="4384080"/>
+          </a:xfrm>
+          <a:prstGeom prst="rect">
+            <a:avLst/>
+          </a:prstGeom>
+        </p:spPr>
+        <p:txBody>
+          <a:bodyPr lIns="0" rIns="0" tIns="0" bIns="0"/>
+          <a:p>
+            <a:endParaRPr/>
+          </a:p>
+        </p:txBody>
+      </p:sp>
+      <p:sp>
+        <p:nvSpPr>
+          <p:cNvPr id="152" name="PlaceHolder 3"/>
+          <p:cNvSpPr>
+            <a:spLocks noGrp="1"/>
+          </p:cNvSpPr>
+          <p:nvPr>
+            <p:ph type="body"/>
+          </p:nvPr>
+        </p:nvSpPr>
+        <p:spPr>
+          <a:xfrm>
+            <a:off x="5152680" y="1768680"/>
+            <a:ext cx="4426920" cy="4384080"/>
+          </a:xfrm>
+          <a:prstGeom prst="rect">
+            <a:avLst/>
+          </a:prstGeom>
+        </p:spPr>
+        <p:txBody>
+          <a:bodyPr lIns="0" rIns="0" tIns="0" bIns="0"/>
+          <a:p>
+            <a:endParaRPr/>
+          </a:p>
+        </p:txBody>
+      </p:sp>
+    </p:spTree>
+  </p:cSld>
+</p:sldLayout>
+</file>
+
+<file path=ppt/slideLayouts/slideLayout53.xml><?xml version="1.0" encoding="utf-8"?>
+<p:sldLayout xmlns:a="http://schemas.openxmlformats.org/drawingml/2006/main" xmlns:p="http://schemas.openxmlformats.org/presentationml/2006/main" xmlns:r="http://schemas.openxmlformats.org/officeDocument/2006/relationships" type="titleOnly" preserve="1">
+  <p:cSld name="Title Only">
+    <p:spTree>
+      <p:nvGrpSpPr>
+        <p:cNvPr id="1" name=""/>
+        <p:cNvGrpSpPr/>
+        <p:nvPr/>
+      </p:nvGrpSpPr>
+      <p:grpSpPr>
+        <a:xfrm>
+          <a:off x="0" y="0"/>
+          <a:ext cx="0" cy="0"/>
+          <a:chOff x="0" y="0"/>
+          <a:chExt cx="0" cy="0"/>
+        </a:xfrm>
+      </p:grpSpPr>
+      <p:sp>
+        <p:nvSpPr>
+          <p:cNvPr id="153" name="PlaceHolder 1"/>
+          <p:cNvSpPr>
+            <a:spLocks noGrp="1"/>
+          </p:cNvSpPr>
+          <p:nvPr>
+            <p:ph type="title"/>
+          </p:nvPr>
+        </p:nvSpPr>
+        <p:spPr>
+          <a:xfrm>
+            <a:off x="504000" y="301320"/>
+            <a:ext cx="9070560" cy="1262160"/>
+          </a:xfrm>
+          <a:prstGeom prst="rect">
+            <a:avLst/>
+          </a:prstGeom>
+        </p:spPr>
+        <p:txBody>
+          <a:bodyPr lIns="0" rIns="0" tIns="0" bIns="0" anchor="ctr"/>
+          <a:p>
+            <a:pPr algn="ctr"/>
+            <a:endParaRPr/>
+          </a:p>
+        </p:txBody>
+      </p:sp>
+    </p:spTree>
+  </p:cSld>
+</p:sldLayout>
+</file>
+
+<file path=ppt/slideLayouts/slideLayout54.xml><?xml version="1.0" encoding="utf-8"?>
+<p:sldLayout xmlns:a="http://schemas.openxmlformats.org/drawingml/2006/main" xmlns:p="http://schemas.openxmlformats.org/presentationml/2006/main" xmlns:r="http://schemas.openxmlformats.org/officeDocument/2006/relationships" type="objOnly" preserve="1">
+  <p:cSld name="Centered Text">
+    <p:spTree>
+      <p:nvGrpSpPr>
+        <p:cNvPr id="1" name=""/>
+        <p:cNvGrpSpPr/>
+        <p:nvPr/>
+      </p:nvGrpSpPr>
+      <p:grpSpPr>
+        <a:xfrm>
+          <a:off x="0" y="0"/>
+          <a:ext cx="0" cy="0"/>
+          <a:chOff x="0" y="0"/>
+          <a:chExt cx="0" cy="0"/>
+        </a:xfrm>
+      </p:grpSpPr>
+      <p:sp>
+        <p:nvSpPr>
+          <p:cNvPr id="154" name="PlaceHolder 1"/>
+          <p:cNvSpPr>
+            <a:spLocks noGrp="1"/>
+          </p:cNvSpPr>
+          <p:nvPr>
+            <p:ph type="subTitle"/>
+          </p:nvPr>
+        </p:nvSpPr>
+        <p:spPr>
+          <a:xfrm>
+            <a:off x="504000" y="301320"/>
+            <a:ext cx="9070560" cy="5850720"/>
+          </a:xfrm>
+          <a:prstGeom prst="rect">
+            <a:avLst/>
+          </a:prstGeom>
+        </p:spPr>
+        <p:txBody>
+          <a:bodyPr lIns="0" rIns="0" tIns="0" bIns="0" anchor="ctr"/>
+          <a:p>
+            <a:pPr algn="ctr"/>
+            <a:endParaRPr/>
+          </a:p>
+        </p:txBody>
+      </p:sp>
+    </p:spTree>
+  </p:cSld>
+</p:sldLayout>
+</file>
+
+<file path=ppt/slideLayouts/slideLayout55.xml><?xml version="1.0" encoding="utf-8"?>
+<p:sldLayout xmlns:a="http://schemas.openxmlformats.org/drawingml/2006/main" xmlns:p="http://schemas.openxmlformats.org/presentationml/2006/main" xmlns:r="http://schemas.openxmlformats.org/officeDocument/2006/relationships" type="twoObjAndObj" preserve="1">
+  <p:cSld name="Title, 2 Content and Content">
+    <p:spTree>
+      <p:nvGrpSpPr>
+        <p:cNvPr id="1" name=""/>
+        <p:cNvGrpSpPr/>
+        <p:nvPr/>
+      </p:nvGrpSpPr>
+      <p:grpSpPr>
+        <a:xfrm>
+          <a:off x="0" y="0"/>
+          <a:ext cx="0" cy="0"/>
+          <a:chOff x="0" y="0"/>
+          <a:chExt cx="0" cy="0"/>
+        </a:xfrm>
+      </p:grpSpPr>
+      <p:sp>
+        <p:nvSpPr>
+          <p:cNvPr id="155" name="PlaceHolder 1"/>
+          <p:cNvSpPr>
+            <a:spLocks noGrp="1"/>
+          </p:cNvSpPr>
+          <p:nvPr>
+            <p:ph type="title"/>
+          </p:nvPr>
+        </p:nvSpPr>
+        <p:spPr>
+          <a:xfrm>
+            <a:off x="504000" y="301320"/>
+            <a:ext cx="9070560" cy="1262160"/>
+          </a:xfrm>
+          <a:prstGeom prst="rect">
+            <a:avLst/>
+          </a:prstGeom>
+        </p:spPr>
+        <p:txBody>
+          <a:bodyPr lIns="0" rIns="0" tIns="0" bIns="0" anchor="ctr"/>
+          <a:p>
+            <a:pPr algn="ctr"/>
+            <a:endParaRPr/>
+          </a:p>
+        </p:txBody>
+      </p:sp>
+      <p:sp>
+        <p:nvSpPr>
+          <p:cNvPr id="156" name="PlaceHolder 2"/>
+          <p:cNvSpPr>
+            <a:spLocks noGrp="1"/>
+          </p:cNvSpPr>
+          <p:nvPr>
+            <p:ph type="body"/>
+          </p:nvPr>
+        </p:nvSpPr>
+        <p:spPr>
+          <a:xfrm>
+            <a:off x="504000" y="1768680"/>
+            <a:ext cx="4426920" cy="2090880"/>
+          </a:xfrm>
+          <a:prstGeom prst="rect">
+            <a:avLst/>
+          </a:prstGeom>
+        </p:spPr>
+        <p:txBody>
+          <a:bodyPr lIns="0" rIns="0" tIns="0" bIns="0"/>
+          <a:p>
+            <a:endParaRPr/>
+          </a:p>
+        </p:txBody>
+      </p:sp>
+      <p:sp>
+        <p:nvSpPr>
+          <p:cNvPr id="157" name="PlaceHolder 3"/>
+          <p:cNvSpPr>
+            <a:spLocks noGrp="1"/>
+          </p:cNvSpPr>
+          <p:nvPr>
+            <p:ph type="body"/>
+          </p:nvPr>
+        </p:nvSpPr>
+        <p:spPr>
+          <a:xfrm>
+            <a:off x="504000" y="4058640"/>
+            <a:ext cx="4426920" cy="2090880"/>
+          </a:xfrm>
+          <a:prstGeom prst="rect">
+            <a:avLst/>
+          </a:prstGeom>
+        </p:spPr>
+        <p:txBody>
+          <a:bodyPr lIns="0" rIns="0" tIns="0" bIns="0"/>
+          <a:p>
+            <a:endParaRPr/>
+          </a:p>
+        </p:txBody>
+      </p:sp>
+      <p:sp>
+        <p:nvSpPr>
+          <p:cNvPr id="158" name="PlaceHolder 4"/>
+          <p:cNvSpPr>
+            <a:spLocks noGrp="1"/>
+          </p:cNvSpPr>
+          <p:nvPr>
+            <p:ph type="body"/>
+          </p:nvPr>
+        </p:nvSpPr>
+        <p:spPr>
+          <a:xfrm>
+            <a:off x="5152680" y="1768680"/>
+            <a:ext cx="4426920" cy="4384080"/>
+          </a:xfrm>
+          <a:prstGeom prst="rect">
+            <a:avLst/>
+          </a:prstGeom>
+        </p:spPr>
+        <p:txBody>
+          <a:bodyPr lIns="0" rIns="0" tIns="0" bIns="0"/>
+          <a:p>
+            <a:endParaRPr/>
+          </a:p>
+        </p:txBody>
+      </p:sp>
+    </p:spTree>
+  </p:cSld>
+</p:sldLayout>
+</file>
+
+<file path=ppt/slideLayouts/slideLayout56.xml><?xml version="1.0" encoding="utf-8"?>
+<p:sldLayout xmlns:a="http://schemas.openxmlformats.org/drawingml/2006/main" xmlns:p="http://schemas.openxmlformats.org/presentationml/2006/main" xmlns:r="http://schemas.openxmlformats.org/officeDocument/2006/relationships" type="objAndTwoObj" preserve="1">
+  <p:cSld name="Title Content and 2 Content">
+    <p:spTree>
+      <p:nvGrpSpPr>
+        <p:cNvPr id="1" name=""/>
+        <p:cNvGrpSpPr/>
+        <p:nvPr/>
+      </p:nvGrpSpPr>
+      <p:grpSpPr>
+        <a:xfrm>
+          <a:off x="0" y="0"/>
+          <a:ext cx="0" cy="0"/>
+          <a:chOff x="0" y="0"/>
+          <a:chExt cx="0" cy="0"/>
+        </a:xfrm>
+      </p:grpSpPr>
+      <p:sp>
+        <p:nvSpPr>
+          <p:cNvPr id="159" name="PlaceHolder 1"/>
+          <p:cNvSpPr>
+            <a:spLocks noGrp="1"/>
+          </p:cNvSpPr>
+          <p:nvPr>
+            <p:ph type="title"/>
+          </p:nvPr>
+        </p:nvSpPr>
+        <p:spPr>
+          <a:xfrm>
+            <a:off x="504000" y="301320"/>
+            <a:ext cx="9070560" cy="1262160"/>
+          </a:xfrm>
+          <a:prstGeom prst="rect">
+            <a:avLst/>
+          </a:prstGeom>
+        </p:spPr>
+        <p:txBody>
+          <a:bodyPr lIns="0" rIns="0" tIns="0" bIns="0" anchor="ctr"/>
+          <a:p>
+            <a:pPr algn="ctr"/>
+            <a:endParaRPr/>
+          </a:p>
+        </p:txBody>
+      </p:sp>
+      <p:sp>
+        <p:nvSpPr>
+          <p:cNvPr id="160" name="PlaceHolder 2"/>
+          <p:cNvSpPr>
+            <a:spLocks noGrp="1"/>
+          </p:cNvSpPr>
+          <p:nvPr>
+            <p:ph type="body"/>
+          </p:nvPr>
+        </p:nvSpPr>
+        <p:spPr>
+          <a:xfrm>
+            <a:off x="504000" y="1768680"/>
+            <a:ext cx="4426920" cy="4384080"/>
+          </a:xfrm>
+          <a:prstGeom prst="rect">
+            <a:avLst/>
+          </a:prstGeom>
+        </p:spPr>
+        <p:txBody>
+          <a:bodyPr lIns="0" rIns="0" tIns="0" bIns="0"/>
+          <a:p>
+            <a:endParaRPr/>
+          </a:p>
+        </p:txBody>
+      </p:sp>
+      <p:sp>
+        <p:nvSpPr>
+          <p:cNvPr id="161" name="PlaceHolder 3"/>
+          <p:cNvSpPr>
+            <a:spLocks noGrp="1"/>
+          </p:cNvSpPr>
+          <p:nvPr>
+            <p:ph type="body"/>
+          </p:nvPr>
+        </p:nvSpPr>
+        <p:spPr>
+          <a:xfrm>
+            <a:off x="5152680" y="1768680"/>
+            <a:ext cx="4426920" cy="2090880"/>
+          </a:xfrm>
+          <a:prstGeom prst="rect">
+            <a:avLst/>
+          </a:prstGeom>
+        </p:spPr>
+        <p:txBody>
+          <a:bodyPr lIns="0" rIns="0" tIns="0" bIns="0"/>
+          <a:p>
+            <a:endParaRPr/>
+          </a:p>
+        </p:txBody>
+      </p:sp>
+      <p:sp>
+        <p:nvSpPr>
+          <p:cNvPr id="162" name="PlaceHolder 4"/>
+          <p:cNvSpPr>
+            <a:spLocks noGrp="1"/>
+          </p:cNvSpPr>
+          <p:nvPr>
+            <p:ph type="body"/>
+          </p:nvPr>
+        </p:nvSpPr>
+        <p:spPr>
+          <a:xfrm>
+            <a:off x="5152680" y="4058640"/>
+            <a:ext cx="4426920" cy="2090880"/>
+          </a:xfrm>
+          <a:prstGeom prst="rect">
+            <a:avLst/>
+          </a:prstGeom>
+        </p:spPr>
+        <p:txBody>
+          <a:bodyPr lIns="0" rIns="0" tIns="0" bIns="0"/>
+          <a:p>
+            <a:endParaRPr/>
+          </a:p>
+        </p:txBody>
+      </p:sp>
+    </p:spTree>
+  </p:cSld>
+</p:sldLayout>
+</file>
+
+<file path=ppt/slideLayouts/slideLayout57.xml><?xml version="1.0" encoding="utf-8"?>
+<p:sldLayout xmlns:a="http://schemas.openxmlformats.org/drawingml/2006/main" xmlns:p="http://schemas.openxmlformats.org/presentationml/2006/main" xmlns:r="http://schemas.openxmlformats.org/officeDocument/2006/relationships" type="twoObjOverTx" preserve="1">
+  <p:cSld name="Title, 2 Content over Content">
+    <p:spTree>
+      <p:nvGrpSpPr>
+        <p:cNvPr id="1" name=""/>
+        <p:cNvGrpSpPr/>
+        <p:nvPr/>
+      </p:nvGrpSpPr>
+      <p:grpSpPr>
+        <a:xfrm>
+          <a:off x="0" y="0"/>
+          <a:ext cx="0" cy="0"/>
+          <a:chOff x="0" y="0"/>
+          <a:chExt cx="0" cy="0"/>
+        </a:xfrm>
+      </p:grpSpPr>
+      <p:sp>
+        <p:nvSpPr>
+          <p:cNvPr id="163" name="PlaceHolder 1"/>
+          <p:cNvSpPr>
+            <a:spLocks noGrp="1"/>
+          </p:cNvSpPr>
+          <p:nvPr>
+            <p:ph type="title"/>
+          </p:nvPr>
+        </p:nvSpPr>
+        <p:spPr>
+          <a:xfrm>
+            <a:off x="504000" y="301320"/>
+            <a:ext cx="9070560" cy="1262160"/>
+          </a:xfrm>
+          <a:prstGeom prst="rect">
+            <a:avLst/>
+          </a:prstGeom>
+        </p:spPr>
+        <p:txBody>
+          <a:bodyPr lIns="0" rIns="0" tIns="0" bIns="0" anchor="ctr"/>
+          <a:p>
+            <a:pPr algn="ctr"/>
+            <a:endParaRPr/>
+          </a:p>
+        </p:txBody>
+      </p:sp>
+      <p:sp>
+        <p:nvSpPr>
+          <p:cNvPr id="164" name="PlaceHolder 2"/>
+          <p:cNvSpPr>
+            <a:spLocks noGrp="1"/>
+          </p:cNvSpPr>
+          <p:nvPr>
+            <p:ph type="body"/>
+          </p:nvPr>
+        </p:nvSpPr>
+        <p:spPr>
+          <a:xfrm>
+            <a:off x="504000" y="1768680"/>
+            <a:ext cx="4426920" cy="2090880"/>
+          </a:xfrm>
+          <a:prstGeom prst="rect">
+            <a:avLst/>
+          </a:prstGeom>
+        </p:spPr>
+        <p:txBody>
+          <a:bodyPr lIns="0" rIns="0" tIns="0" bIns="0"/>
+          <a:p>
+            <a:endParaRPr/>
+          </a:p>
+        </p:txBody>
+      </p:sp>
+      <p:sp>
+        <p:nvSpPr>
+          <p:cNvPr id="165" name="PlaceHolder 3"/>
+          <p:cNvSpPr>
+            <a:spLocks noGrp="1"/>
+          </p:cNvSpPr>
+          <p:nvPr>
+            <p:ph type="body"/>
+          </p:nvPr>
+        </p:nvSpPr>
+        <p:spPr>
+          <a:xfrm>
+            <a:off x="5152680" y="1768680"/>
+            <a:ext cx="4426920" cy="2090880"/>
+          </a:xfrm>
+          <a:prstGeom prst="rect">
+            <a:avLst/>
+          </a:prstGeom>
+        </p:spPr>
+        <p:txBody>
+          <a:bodyPr lIns="0" rIns="0" tIns="0" bIns="0"/>
+          <a:p>
+            <a:endParaRPr/>
+          </a:p>
+        </p:txBody>
+      </p:sp>
+      <p:sp>
+        <p:nvSpPr>
+          <p:cNvPr id="166" name="PlaceHolder 4"/>
+          <p:cNvSpPr>
+            <a:spLocks noGrp="1"/>
+          </p:cNvSpPr>
+          <p:nvPr>
+            <p:ph type="body"/>
+          </p:nvPr>
+        </p:nvSpPr>
+        <p:spPr>
+          <a:xfrm>
+            <a:off x="504000" y="4058640"/>
+            <a:ext cx="9072000" cy="2090880"/>
+          </a:xfrm>
+          <a:prstGeom prst="rect">
+            <a:avLst/>
+          </a:prstGeom>
+        </p:spPr>
+        <p:txBody>
+          <a:bodyPr lIns="0" rIns="0" tIns="0" bIns="0"/>
+          <a:p>
+            <a:endParaRPr/>
+          </a:p>
+        </p:txBody>
+      </p:sp>
+    </p:spTree>
+  </p:cSld>
+</p:sldLayout>
+</file>
+
+<file path=ppt/slideLayouts/slideLayout58.xml><?xml version="1.0" encoding="utf-8"?>
+<p:sldLayout xmlns:a="http://schemas.openxmlformats.org/drawingml/2006/main" xmlns:p="http://schemas.openxmlformats.org/presentationml/2006/main" xmlns:r="http://schemas.openxmlformats.org/officeDocument/2006/relationships" type="objOverTx" preserve="1">
+  <p:cSld name="Title, Content over Content">
+    <p:spTree>
+      <p:nvGrpSpPr>
+        <p:cNvPr id="1" name=""/>
+        <p:cNvGrpSpPr/>
+        <p:nvPr/>
+      </p:nvGrpSpPr>
+      <p:grpSpPr>
+        <a:xfrm>
+          <a:off x="0" y="0"/>
+          <a:ext cx="0" cy="0"/>
+          <a:chOff x="0" y="0"/>
+          <a:chExt cx="0" cy="0"/>
+        </a:xfrm>
+      </p:grpSpPr>
+      <p:sp>
+        <p:nvSpPr>
+          <p:cNvPr id="167" name="PlaceHolder 1"/>
+          <p:cNvSpPr>
+            <a:spLocks noGrp="1"/>
+          </p:cNvSpPr>
+          <p:nvPr>
+            <p:ph type="title"/>
+          </p:nvPr>
+        </p:nvSpPr>
+        <p:spPr>
+          <a:xfrm>
+            <a:off x="504000" y="301320"/>
+            <a:ext cx="9070560" cy="1262160"/>
+          </a:xfrm>
+          <a:prstGeom prst="rect">
+            <a:avLst/>
+          </a:prstGeom>
+        </p:spPr>
+        <p:txBody>
+          <a:bodyPr lIns="0" rIns="0" tIns="0" bIns="0" anchor="ctr"/>
+          <a:p>
+            <a:pPr algn="ctr"/>
+            <a:endParaRPr/>
+          </a:p>
+        </p:txBody>
+      </p:sp>
+      <p:sp>
+        <p:nvSpPr>
+          <p:cNvPr id="168" name="PlaceHolder 2"/>
+          <p:cNvSpPr>
+            <a:spLocks noGrp="1"/>
+          </p:cNvSpPr>
+          <p:nvPr>
+            <p:ph type="body"/>
+          </p:nvPr>
+        </p:nvSpPr>
+        <p:spPr>
+          <a:xfrm>
+            <a:off x="504000" y="1768680"/>
+            <a:ext cx="9072000" cy="2090880"/>
+          </a:xfrm>
+          <a:prstGeom prst="rect">
+            <a:avLst/>
+          </a:prstGeom>
+        </p:spPr>
+        <p:txBody>
+          <a:bodyPr lIns="0" rIns="0" tIns="0" bIns="0"/>
+          <a:p>
+            <a:endParaRPr/>
+          </a:p>
+        </p:txBody>
+      </p:sp>
+      <p:sp>
+        <p:nvSpPr>
+          <p:cNvPr id="169" name="PlaceHolder 3"/>
+          <p:cNvSpPr>
+            <a:spLocks noGrp="1"/>
+          </p:cNvSpPr>
+          <p:nvPr>
+            <p:ph type="body"/>
+          </p:nvPr>
+        </p:nvSpPr>
+        <p:spPr>
+          <a:xfrm>
+            <a:off x="504000" y="4058640"/>
+            <a:ext cx="9072000" cy="2090880"/>
+          </a:xfrm>
+          <a:prstGeom prst="rect">
+            <a:avLst/>
+          </a:prstGeom>
+        </p:spPr>
+        <p:txBody>
+          <a:bodyPr lIns="0" rIns="0" tIns="0" bIns="0"/>
+          <a:p>
+            <a:endParaRPr/>
+          </a:p>
+        </p:txBody>
+      </p:sp>
+    </p:spTree>
+  </p:cSld>
+</p:sldLayout>
+</file>
+
+<file path=ppt/slideLayouts/slideLayout59.xml><?xml version="1.0" encoding="utf-8"?>
+<p:sldLayout xmlns:a="http://schemas.openxmlformats.org/drawingml/2006/main" xmlns:p="http://schemas.openxmlformats.org/presentationml/2006/main" xmlns:r="http://schemas.openxmlformats.org/officeDocument/2006/relationships" type="fourObj" preserve="1">
+  <p:cSld name="Title, 4 Content">
+    <p:spTree>
+      <p:nvGrpSpPr>
+        <p:cNvPr id="1" name=""/>
+        <p:cNvGrpSpPr/>
+        <p:nvPr/>
+      </p:nvGrpSpPr>
+      <p:grpSpPr>
+        <a:xfrm>
+          <a:off x="0" y="0"/>
+          <a:ext cx="0" cy="0"/>
+          <a:chOff x="0" y="0"/>
+          <a:chExt cx="0" cy="0"/>
+        </a:xfrm>
+      </p:grpSpPr>
+      <p:sp>
+        <p:nvSpPr>
+          <p:cNvPr id="170" name="PlaceHolder 1"/>
+          <p:cNvSpPr>
+            <a:spLocks noGrp="1"/>
+          </p:cNvSpPr>
+          <p:nvPr>
+            <p:ph type="title"/>
+          </p:nvPr>
+        </p:nvSpPr>
+        <p:spPr>
+          <a:xfrm>
+            <a:off x="504000" y="301320"/>
+            <a:ext cx="9070560" cy="1262160"/>
+          </a:xfrm>
+          <a:prstGeom prst="rect">
+            <a:avLst/>
+          </a:prstGeom>
+        </p:spPr>
+        <p:txBody>
+          <a:bodyPr lIns="0" rIns="0" tIns="0" bIns="0" anchor="ctr"/>
+          <a:p>
+            <a:pPr algn="ctr"/>
+            <a:endParaRPr/>
+          </a:p>
+        </p:txBody>
+      </p:sp>
+      <p:sp>
+        <p:nvSpPr>
+          <p:cNvPr id="171" name="PlaceHolder 2"/>
+          <p:cNvSpPr>
+            <a:spLocks noGrp="1"/>
+          </p:cNvSpPr>
+          <p:nvPr>
+            <p:ph type="body"/>
+          </p:nvPr>
+        </p:nvSpPr>
+        <p:spPr>
+          <a:xfrm>
+            <a:off x="504000" y="1768680"/>
+            <a:ext cx="4426920" cy="2090880"/>
+          </a:xfrm>
+          <a:prstGeom prst="rect">
+            <a:avLst/>
+          </a:prstGeom>
+        </p:spPr>
+        <p:txBody>
+          <a:bodyPr lIns="0" rIns="0" tIns="0" bIns="0"/>
+          <a:p>
+            <a:endParaRPr/>
+          </a:p>
+        </p:txBody>
+      </p:sp>
+      <p:sp>
+        <p:nvSpPr>
+          <p:cNvPr id="172" name="PlaceHolder 3"/>
+          <p:cNvSpPr>
+            <a:spLocks noGrp="1"/>
+          </p:cNvSpPr>
+          <p:nvPr>
+            <p:ph type="body"/>
+          </p:nvPr>
+        </p:nvSpPr>
+        <p:spPr>
+          <a:xfrm>
+            <a:off x="5152680" y="1768680"/>
+            <a:ext cx="4426920" cy="2090880"/>
+          </a:xfrm>
+          <a:prstGeom prst="rect">
+            <a:avLst/>
+          </a:prstGeom>
+        </p:spPr>
+        <p:txBody>
+          <a:bodyPr lIns="0" rIns="0" tIns="0" bIns="0"/>
+          <a:p>
+            <a:endParaRPr/>
+          </a:p>
+        </p:txBody>
+      </p:sp>
+      <p:sp>
+        <p:nvSpPr>
+          <p:cNvPr id="173" name="PlaceHolder 4"/>
+          <p:cNvSpPr>
+            <a:spLocks noGrp="1"/>
+          </p:cNvSpPr>
+          <p:nvPr>
+            <p:ph type="body"/>
+          </p:nvPr>
+        </p:nvSpPr>
+        <p:spPr>
+          <a:xfrm>
+            <a:off x="5152680" y="4058640"/>
+            <a:ext cx="4426920" cy="2090880"/>
+          </a:xfrm>
+          <a:prstGeom prst="rect">
+            <a:avLst/>
+          </a:prstGeom>
+        </p:spPr>
+        <p:txBody>
+          <a:bodyPr lIns="0" rIns="0" tIns="0" bIns="0"/>
+          <a:p>
+            <a:endParaRPr/>
+          </a:p>
+        </p:txBody>
+      </p:sp>
+      <p:sp>
+        <p:nvSpPr>
+          <p:cNvPr id="174" name="PlaceHolder 5"/>
+          <p:cNvSpPr>
+            <a:spLocks noGrp="1"/>
+          </p:cNvSpPr>
+          <p:nvPr>
+            <p:ph type="body"/>
+          </p:nvPr>
+        </p:nvSpPr>
+        <p:spPr>
+          <a:xfrm>
+            <a:off x="504000" y="4058640"/>
+            <a:ext cx="4426920" cy="2090880"/>
+          </a:xfrm>
+          <a:prstGeom prst="rect">
+            <a:avLst/>
+          </a:prstGeom>
+        </p:spPr>
+        <p:txBody>
+          <a:bodyPr lIns="0" rIns="0" tIns="0" bIns="0"/>
+          <a:p>
             <a:endParaRPr/>
           </a:p>
         </p:txBody>
@@ -4266,7 +5274,7 @@
         <p:spPr>
           <a:xfrm>
             <a:off x="504000" y="301320"/>
-            <a:ext cx="9071280" cy="5850720"/>
+            <a:ext cx="9070560" cy="5850720"/>
           </a:xfrm>
           <a:prstGeom prst="rect">
             <a:avLst/>
@@ -4280,6 +5288,157 @@
           </a:p>
         </p:txBody>
       </p:sp>
+    </p:spTree>
+  </p:cSld>
+</p:sldLayout>
+</file>
+
+<file path=ppt/slideLayouts/slideLayout60.xml><?xml version="1.0" encoding="utf-8"?>
+<p:sldLayout xmlns:a="http://schemas.openxmlformats.org/drawingml/2006/main" xmlns:p="http://schemas.openxmlformats.org/presentationml/2006/main" xmlns:r="http://schemas.openxmlformats.org/officeDocument/2006/relationships" type="blank" preserve="1">
+  <p:cSld name="Title, 6 Content">
+    <p:spTree>
+      <p:nvGrpSpPr>
+        <p:cNvPr id="1" name=""/>
+        <p:cNvGrpSpPr/>
+        <p:nvPr/>
+      </p:nvGrpSpPr>
+      <p:grpSpPr>
+        <a:xfrm>
+          <a:off x="0" y="0"/>
+          <a:ext cx="0" cy="0"/>
+          <a:chOff x="0" y="0"/>
+          <a:chExt cx="0" cy="0"/>
+        </a:xfrm>
+      </p:grpSpPr>
+      <p:sp>
+        <p:nvSpPr>
+          <p:cNvPr id="175" name="PlaceHolder 1"/>
+          <p:cNvSpPr>
+            <a:spLocks noGrp="1"/>
+          </p:cNvSpPr>
+          <p:nvPr>
+            <p:ph type="title"/>
+          </p:nvPr>
+        </p:nvSpPr>
+        <p:spPr>
+          <a:xfrm>
+            <a:off x="504000" y="301320"/>
+            <a:ext cx="9070560" cy="1262160"/>
+          </a:xfrm>
+          <a:prstGeom prst="rect">
+            <a:avLst/>
+          </a:prstGeom>
+        </p:spPr>
+        <p:txBody>
+          <a:bodyPr lIns="0" rIns="0" tIns="0" bIns="0" anchor="ctr"/>
+          <a:p>
+            <a:pPr algn="ctr"/>
+            <a:endParaRPr/>
+          </a:p>
+        </p:txBody>
+      </p:sp>
+      <p:sp>
+        <p:nvSpPr>
+          <p:cNvPr id="176" name="PlaceHolder 2"/>
+          <p:cNvSpPr>
+            <a:spLocks noGrp="1"/>
+          </p:cNvSpPr>
+          <p:nvPr>
+            <p:ph type="body"/>
+          </p:nvPr>
+        </p:nvSpPr>
+        <p:spPr>
+          <a:xfrm>
+            <a:off x="504000" y="1768680"/>
+            <a:ext cx="9072000" cy="4384080"/>
+          </a:xfrm>
+          <a:prstGeom prst="rect">
+            <a:avLst/>
+          </a:prstGeom>
+        </p:spPr>
+        <p:txBody>
+          <a:bodyPr lIns="0" rIns="0" tIns="0" bIns="0"/>
+          <a:p>
+            <a:endParaRPr/>
+          </a:p>
+        </p:txBody>
+      </p:sp>
+      <p:sp>
+        <p:nvSpPr>
+          <p:cNvPr id="177" name="PlaceHolder 3"/>
+          <p:cNvSpPr>
+            <a:spLocks noGrp="1"/>
+          </p:cNvSpPr>
+          <p:nvPr>
+            <p:ph type="body"/>
+          </p:nvPr>
+        </p:nvSpPr>
+        <p:spPr>
+          <a:xfrm>
+            <a:off x="504000" y="1768680"/>
+            <a:ext cx="9072000" cy="4384080"/>
+          </a:xfrm>
+          <a:prstGeom prst="rect">
+            <a:avLst/>
+          </a:prstGeom>
+        </p:spPr>
+        <p:txBody>
+          <a:bodyPr lIns="0" rIns="0" tIns="0" bIns="0"/>
+          <a:p>
+            <a:endParaRPr/>
+          </a:p>
+        </p:txBody>
+      </p:sp>
+      <p:pic>
+        <p:nvPicPr>
+          <p:cNvPr id="178" name="" descr=""/>
+          <p:cNvPicPr/>
+          <p:nvPr/>
+        </p:nvPicPr>
+        <p:blipFill>
+          <a:blip r:embed="rId2"/>
+          <a:stretch>
+            <a:fillRect/>
+          </a:stretch>
+        </p:blipFill>
+        <p:spPr>
+          <a:xfrm>
+            <a:off x="2291400" y="1768680"/>
+            <a:ext cx="5496840" cy="4384080"/>
+          </a:xfrm>
+          <a:prstGeom prst="rect">
+            <a:avLst/>
+          </a:prstGeom>
+          <a:ln>
+            <a:noFill/>
+          </a:ln>
+        </p:spPr>
+      </p:pic>
+      <p:pic>
+        <p:nvPicPr>
+          <p:cNvPr id="179" name="" descr=""/>
+          <p:cNvPicPr/>
+          <p:nvPr/>
+        </p:nvPicPr>
+        <p:blipFill>
+          <a:blip r:embed="rId3"/>
+          <a:stretch>
+            <a:fillRect/>
+          </a:stretch>
+        </p:blipFill>
+        <p:spPr>
+          <a:xfrm>
+            <a:off x="2291400" y="1768680"/>
+            <a:ext cx="5496840" cy="4384080"/>
+          </a:xfrm>
+          <a:prstGeom prst="rect">
+            <a:avLst/>
+          </a:prstGeom>
+          <a:ln>
+            <a:noFill/>
+          </a:ln>
+        </p:spPr>
+      </p:pic>
     </p:spTree>
   </p:cSld>
 </p:sldLayout>
@@ -4315,7 +5474,7 @@
         <p:spPr>
           <a:xfrm>
             <a:off x="504000" y="301320"/>
-            <a:ext cx="9071280" cy="1262160"/>
+            <a:ext cx="9070560" cy="1262160"/>
           </a:xfrm>
           <a:prstGeom prst="rect">
             <a:avLst/>
@@ -4442,7 +5601,7 @@
         <p:spPr>
           <a:xfrm>
             <a:off x="504000" y="301320"/>
-            <a:ext cx="9071280" cy="1262160"/>
+            <a:ext cx="9070560" cy="1262160"/>
           </a:xfrm>
           <a:prstGeom prst="rect">
             <a:avLst/>
@@ -4569,7 +5728,7 @@
         <p:spPr>
           <a:xfrm>
             <a:off x="504000" y="301320"/>
-            <a:ext cx="9071280" cy="1262160"/>
+            <a:ext cx="9070560" cy="1262160"/>
           </a:xfrm>
           <a:prstGeom prst="rect">
             <a:avLst/>
@@ -5269,7 +6428,7 @@
         <p:spPr>
           <a:xfrm>
             <a:off x="504000" y="301320"/>
-            <a:ext cx="9071280" cy="1261800"/>
+            <a:ext cx="9070560" cy="1261800"/>
           </a:xfrm>
           <a:prstGeom prst="rect">
             <a:avLst/>
@@ -5301,7 +6460,7 @@
         <p:spPr>
           <a:xfrm>
             <a:off x="504000" y="1768680"/>
-            <a:ext cx="9072000" cy="4384080"/>
+            <a:ext cx="9071640" cy="4383720"/>
           </a:xfrm>
           <a:prstGeom prst="rect">
             <a:avLst/>
@@ -5316,7 +6475,7 @@
               <a:buChar char=""/>
             </a:pPr>
             <a:r>
-              <a:rPr lang="en-US" sz="3200">
+              <a:rPr lang="en-US">
                 <a:latin typeface="Arial"/>
               </a:rPr>
               <a:t>Click to edit the outline text format</a:t>
@@ -5330,7 +6489,7 @@
               <a:buChar char=""/>
             </a:pPr>
             <a:r>
-              <a:rPr lang="en-US" sz="2800">
+              <a:rPr lang="en-US">
                 <a:latin typeface="Arial"/>
               </a:rPr>
               <a:t>Second Outline Level</a:t>
@@ -5344,7 +6503,7 @@
               <a:buChar char=""/>
             </a:pPr>
             <a:r>
-              <a:rPr lang="en-US" sz="2400">
+              <a:rPr lang="en-US">
                 <a:latin typeface="Arial"/>
               </a:rPr>
               <a:t>Third Outline Level</a:t>
@@ -5358,7 +6517,7 @@
               <a:buChar char=""/>
             </a:pPr>
             <a:r>
-              <a:rPr lang="en-US" sz="2000">
+              <a:rPr lang="en-US">
                 <a:latin typeface="Arial"/>
               </a:rPr>
               <a:t>Fourth Outline Level</a:t>
@@ -5372,7 +6531,7 @@
               <a:buChar char=""/>
             </a:pPr>
             <a:r>
-              <a:rPr lang="en-US" sz="2000">
+              <a:rPr lang="en-US">
                 <a:latin typeface="Arial"/>
               </a:rPr>
               <a:t>Fifth Outline Level</a:t>
@@ -5386,7 +6545,7 @@
               <a:buChar char=""/>
             </a:pPr>
             <a:r>
-              <a:rPr lang="en-US" sz="2000">
+              <a:rPr lang="en-US">
                 <a:latin typeface="Arial"/>
               </a:rPr>
               <a:t>Sixth Outline Level</a:t>
@@ -5400,7 +6559,7 @@
               <a:buChar char=""/>
             </a:pPr>
             <a:r>
-              <a:rPr lang="en-US" sz="2000">
+              <a:rPr lang="en-US">
                 <a:latin typeface="Arial"/>
               </a:rPr>
               <a:t>Seventh Outline Level</a:t>
@@ -5425,6 +6584,196 @@
     <p:sldLayoutId id="2147483697" r:id="rId11"/>
     <p:sldLayoutId id="2147483698" r:id="rId12"/>
     <p:sldLayoutId id="2147483699" r:id="rId13"/>
+  </p:sldLayoutIdLst>
+</p:sldMaster>
+</file>
+
+<file path=ppt/slideMasters/slideMaster5.xml><?xml version="1.0" encoding="utf-8"?>
+<p:sldMaster xmlns:a="http://schemas.openxmlformats.org/drawingml/2006/main" xmlns:p="http://schemas.openxmlformats.org/presentationml/2006/main" xmlns:r="http://schemas.openxmlformats.org/officeDocument/2006/relationships">
+  <p:cSld>
+    <p:spTree>
+      <p:nvGrpSpPr>
+        <p:cNvPr id="1" name=""/>
+        <p:cNvGrpSpPr/>
+        <p:nvPr/>
+      </p:nvGrpSpPr>
+      <p:grpSpPr>
+        <a:xfrm>
+          <a:off x="0" y="0"/>
+          <a:ext cx="0" cy="0"/>
+          <a:chOff x="0" y="0"/>
+          <a:chExt cx="0" cy="0"/>
+        </a:xfrm>
+      </p:grpSpPr>
+      <p:sp>
+        <p:nvSpPr>
+          <p:cNvPr id="144" name="PlaceHolder 1"/>
+          <p:cNvSpPr>
+            <a:spLocks noGrp="1"/>
+          </p:cNvSpPr>
+          <p:nvPr>
+            <p:ph type="title"/>
+          </p:nvPr>
+        </p:nvSpPr>
+        <p:spPr>
+          <a:xfrm>
+            <a:off x="504000" y="301320"/>
+            <a:ext cx="9070560" cy="1261800"/>
+          </a:xfrm>
+          <a:prstGeom prst="rect">
+            <a:avLst/>
+          </a:prstGeom>
+        </p:spPr>
+        <p:txBody>
+          <a:bodyPr lIns="0" rIns="0" tIns="0" bIns="0" anchor="ctr"/>
+          <a:p>
+            <a:r>
+              <a:rPr lang="en-US">
+                <a:latin typeface="Arial"/>
+              </a:rPr>
+              <a:t>Click to edit the title text format</a:t>
+            </a:r>
+            <a:endParaRPr/>
+          </a:p>
+        </p:txBody>
+      </p:sp>
+      <p:sp>
+        <p:nvSpPr>
+          <p:cNvPr id="145" name="PlaceHolder 2"/>
+          <p:cNvSpPr>
+            <a:spLocks noGrp="1"/>
+          </p:cNvSpPr>
+          <p:nvPr>
+            <p:ph type="body"/>
+          </p:nvPr>
+        </p:nvSpPr>
+        <p:spPr>
+          <a:xfrm>
+            <a:off x="504000" y="1768680"/>
+            <a:ext cx="9072000" cy="4384080"/>
+          </a:xfrm>
+          <a:prstGeom prst="rect">
+            <a:avLst/>
+          </a:prstGeom>
+        </p:spPr>
+        <p:txBody>
+          <a:bodyPr lIns="0" rIns="0" tIns="0" bIns="0"/>
+          <a:p>
+            <a:pPr>
+              <a:buSzPct val="45000"/>
+              <a:buFont typeface="StarSymbol"/>
+              <a:buChar char=""/>
+            </a:pPr>
+            <a:r>
+              <a:rPr lang="en-US" sz="3200">
+                <a:latin typeface="Arial"/>
+              </a:rPr>
+              <a:t>Click to edit the outline text format</a:t>
+            </a:r>
+            <a:endParaRPr/>
+          </a:p>
+          <a:p>
+            <a:pPr lvl="1">
+              <a:buSzPct val="75000"/>
+              <a:buFont typeface="StarSymbol"/>
+              <a:buChar char=""/>
+            </a:pPr>
+            <a:r>
+              <a:rPr lang="en-US" sz="2800">
+                <a:latin typeface="Arial"/>
+              </a:rPr>
+              <a:t>Second Outline Level</a:t>
+            </a:r>
+            <a:endParaRPr/>
+          </a:p>
+          <a:p>
+            <a:pPr lvl="2">
+              <a:buSzPct val="45000"/>
+              <a:buFont typeface="StarSymbol"/>
+              <a:buChar char=""/>
+            </a:pPr>
+            <a:r>
+              <a:rPr lang="en-US" sz="2400">
+                <a:latin typeface="Arial"/>
+              </a:rPr>
+              <a:t>Third Outline Level</a:t>
+            </a:r>
+            <a:endParaRPr/>
+          </a:p>
+          <a:p>
+            <a:pPr lvl="3">
+              <a:buSzPct val="75000"/>
+              <a:buFont typeface="StarSymbol"/>
+              <a:buChar char=""/>
+            </a:pPr>
+            <a:r>
+              <a:rPr lang="en-US" sz="2000">
+                <a:latin typeface="Arial"/>
+              </a:rPr>
+              <a:t>Fourth Outline Level</a:t>
+            </a:r>
+            <a:endParaRPr/>
+          </a:p>
+          <a:p>
+            <a:pPr lvl="4">
+              <a:buSzPct val="45000"/>
+              <a:buFont typeface="StarSymbol"/>
+              <a:buChar char=""/>
+            </a:pPr>
+            <a:r>
+              <a:rPr lang="en-US" sz="2000">
+                <a:latin typeface="Arial"/>
+              </a:rPr>
+              <a:t>Fifth Outline Level</a:t>
+            </a:r>
+            <a:endParaRPr/>
+          </a:p>
+          <a:p>
+            <a:pPr lvl="5">
+              <a:buSzPct val="45000"/>
+              <a:buFont typeface="StarSymbol"/>
+              <a:buChar char=""/>
+            </a:pPr>
+            <a:r>
+              <a:rPr lang="en-US" sz="2000">
+                <a:latin typeface="Arial"/>
+              </a:rPr>
+              <a:t>Sixth Outline Level</a:t>
+            </a:r>
+            <a:endParaRPr/>
+          </a:p>
+          <a:p>
+            <a:pPr lvl="6">
+              <a:buSzPct val="45000"/>
+              <a:buFont typeface="StarSymbol"/>
+              <a:buChar char=""/>
+            </a:pPr>
+            <a:r>
+              <a:rPr lang="en-US" sz="2000">
+                <a:latin typeface="Arial"/>
+              </a:rPr>
+              <a:t>Seventh Outline Level</a:t>
+            </a:r>
+            <a:endParaRPr/>
+          </a:p>
+        </p:txBody>
+      </p:sp>
+    </p:spTree>
+  </p:cSld>
+  <p:clrMap bg1="lt1" bg2="lt2" tx1="dk1" tx2="dk2" accent1="accent1" accent2="accent2" accent3="accent3" accent4="accent4" accent5="accent5" accent6="accent6" hlink="hlink" folHlink="folHlink"/>
+  <p:sldLayoutIdLst>
+    <p:sldLayoutId id="2147483701" r:id="rId2"/>
+    <p:sldLayoutId id="2147483702" r:id="rId3"/>
+    <p:sldLayoutId id="2147483703" r:id="rId4"/>
+    <p:sldLayoutId id="2147483704" r:id="rId5"/>
+    <p:sldLayoutId id="2147483705" r:id="rId6"/>
+    <p:sldLayoutId id="2147483706" r:id="rId7"/>
+    <p:sldLayoutId id="2147483707" r:id="rId8"/>
+    <p:sldLayoutId id="2147483708" r:id="rId9"/>
+    <p:sldLayoutId id="2147483709" r:id="rId10"/>
+    <p:sldLayoutId id="2147483710" r:id="rId11"/>
+    <p:sldLayoutId id="2147483711" r:id="rId12"/>
+    <p:sldLayoutId id="2147483712" r:id="rId13"/>
   </p:sldLayoutIdLst>
 </p:sldMaster>
 </file>
@@ -5448,14 +6797,14 @@
       </p:grpSpPr>
       <p:sp>
         <p:nvSpPr>
-          <p:cNvPr id="144" name="CustomShape 1"/>
+          <p:cNvPr id="180" name="CustomShape 1"/>
           <p:cNvSpPr/>
           <p:nvPr/>
         </p:nvSpPr>
         <p:spPr>
           <a:xfrm>
             <a:off x="504000" y="301320"/>
-            <a:ext cx="9067320" cy="1258200"/>
+            <a:ext cx="9066600" cy="1257480"/>
           </a:xfrm>
           <a:prstGeom prst="rect">
             <a:avLst/>
@@ -5468,14 +6817,14 @@
       </p:sp>
       <p:sp>
         <p:nvSpPr>
-          <p:cNvPr id="145" name="CustomShape 2"/>
+          <p:cNvPr id="181" name="CustomShape 2"/>
           <p:cNvSpPr/>
           <p:nvPr/>
         </p:nvSpPr>
         <p:spPr>
           <a:xfrm>
             <a:off x="504000" y="1768680"/>
-            <a:ext cx="9067680" cy="4379760"/>
+            <a:ext cx="9066960" cy="4379040"/>
           </a:xfrm>
           <a:prstGeom prst="rect">
             <a:avLst/>
@@ -5488,14 +6837,14 @@
       </p:sp>
       <p:sp>
         <p:nvSpPr>
-          <p:cNvPr id="146" name="CustomShape 3"/>
+          <p:cNvPr id="182" name="CustomShape 3"/>
           <p:cNvSpPr/>
           <p:nvPr/>
         </p:nvSpPr>
         <p:spPr>
           <a:xfrm>
             <a:off x="914400" y="914400"/>
-            <a:ext cx="8226360" cy="5483160"/>
+            <a:ext cx="8225640" cy="5482440"/>
           </a:xfrm>
           <a:prstGeom prst="rect">
             <a:avLst/>
@@ -5626,14 +6975,14 @@
       </p:grpSpPr>
       <p:sp>
         <p:nvSpPr>
-          <p:cNvPr id="183" name="CustomShape 1"/>
+          <p:cNvPr id="219" name="CustomShape 1"/>
           <p:cNvSpPr/>
           <p:nvPr/>
         </p:nvSpPr>
         <p:spPr>
           <a:xfrm>
             <a:off x="504000" y="301320"/>
-            <a:ext cx="9067320" cy="1258560"/>
+            <a:ext cx="9066600" cy="1257840"/>
           </a:xfrm>
           <a:prstGeom prst="rect">
             <a:avLst/>
@@ -5646,14 +6995,14 @@
       </p:sp>
       <p:sp>
         <p:nvSpPr>
-          <p:cNvPr id="184" name="CustomShape 2"/>
+          <p:cNvPr id="220" name="CustomShape 2"/>
           <p:cNvSpPr/>
           <p:nvPr/>
         </p:nvSpPr>
         <p:spPr>
           <a:xfrm>
             <a:off x="504000" y="1768680"/>
-            <a:ext cx="9068760" cy="4380840"/>
+            <a:ext cx="9068040" cy="4380120"/>
           </a:xfrm>
           <a:prstGeom prst="rect">
             <a:avLst/>
@@ -5666,14 +7015,14 @@
       </p:sp>
       <p:sp>
         <p:nvSpPr>
-          <p:cNvPr id="185" name="CustomShape 3"/>
+          <p:cNvPr id="221" name="CustomShape 3"/>
           <p:cNvSpPr/>
           <p:nvPr/>
         </p:nvSpPr>
         <p:spPr>
           <a:xfrm>
             <a:off x="504000" y="357480"/>
-            <a:ext cx="9070920" cy="1096200"/>
+            <a:ext cx="9070200" cy="1095480"/>
           </a:xfrm>
           <a:prstGeom prst="rect">
             <a:avLst/>
@@ -5703,14 +7052,14 @@
       </p:sp>
       <p:sp>
         <p:nvSpPr>
-          <p:cNvPr id="186" name="CustomShape 4"/>
+          <p:cNvPr id="222" name="CustomShape 4"/>
           <p:cNvSpPr/>
           <p:nvPr/>
         </p:nvSpPr>
         <p:spPr>
           <a:xfrm>
             <a:off x="504000" y="1188720"/>
-            <a:ext cx="9070920" cy="5668200"/>
+            <a:ext cx="9070200" cy="5667480"/>
           </a:xfrm>
           <a:prstGeom prst="rect">
             <a:avLst/>
@@ -5735,14 +7084,14 @@
       </p:sp>
       <p:sp>
         <p:nvSpPr>
-          <p:cNvPr id="187" name="CustomShape 5"/>
+          <p:cNvPr id="223" name="CustomShape 5"/>
           <p:cNvSpPr/>
           <p:nvPr/>
         </p:nvSpPr>
         <p:spPr>
           <a:xfrm>
             <a:off x="731520" y="1737360"/>
-            <a:ext cx="8502840" cy="1187640"/>
+            <a:ext cx="8502120" cy="1186920"/>
           </a:xfrm>
           <a:prstGeom prst="rect">
             <a:avLst/>
@@ -5774,7 +7123,7 @@
       </p:sp>
       <p:pic>
         <p:nvPicPr>
-          <p:cNvPr id="188" name="" descr=""/>
+          <p:cNvPr id="224" name="" descr=""/>
           <p:cNvPicPr/>
           <p:nvPr/>
         </p:nvPicPr>
@@ -5787,7 +7136,7 @@
         <p:spPr>
           <a:xfrm>
             <a:off x="2194560" y="1531080"/>
-            <a:ext cx="5418360" cy="5418360"/>
+            <a:ext cx="5417640" cy="5417640"/>
           </a:xfrm>
           <a:prstGeom prst="rect">
             <a:avLst/>
@@ -5848,14 +7197,14 @@
       </p:grpSpPr>
       <p:sp>
         <p:nvSpPr>
-          <p:cNvPr id="189" name="CustomShape 1"/>
+          <p:cNvPr id="225" name="CustomShape 1"/>
           <p:cNvSpPr/>
           <p:nvPr/>
         </p:nvSpPr>
         <p:spPr>
           <a:xfrm>
             <a:off x="504000" y="301320"/>
-            <a:ext cx="9067320" cy="1258560"/>
+            <a:ext cx="9066600" cy="1257840"/>
           </a:xfrm>
           <a:prstGeom prst="rect">
             <a:avLst/>
@@ -5868,14 +7217,14 @@
       </p:sp>
       <p:sp>
         <p:nvSpPr>
-          <p:cNvPr id="190" name="CustomShape 2"/>
+          <p:cNvPr id="226" name="CustomShape 2"/>
           <p:cNvSpPr/>
           <p:nvPr/>
         </p:nvSpPr>
         <p:spPr>
           <a:xfrm>
             <a:off x="504000" y="1768680"/>
-            <a:ext cx="9068760" cy="4380840"/>
+            <a:ext cx="9068040" cy="4380120"/>
           </a:xfrm>
           <a:prstGeom prst="rect">
             <a:avLst/>
@@ -5888,14 +7237,14 @@
       </p:sp>
       <p:sp>
         <p:nvSpPr>
-          <p:cNvPr id="191" name="CustomShape 3"/>
+          <p:cNvPr id="227" name="CustomShape 3"/>
           <p:cNvSpPr/>
           <p:nvPr/>
         </p:nvSpPr>
         <p:spPr>
           <a:xfrm>
             <a:off x="504000" y="357480"/>
-            <a:ext cx="9070920" cy="1096200"/>
+            <a:ext cx="9070200" cy="1095480"/>
           </a:xfrm>
           <a:prstGeom prst="rect">
             <a:avLst/>
@@ -5925,14 +7274,14 @@
       </p:sp>
       <p:sp>
         <p:nvSpPr>
-          <p:cNvPr id="192" name="CustomShape 4"/>
+          <p:cNvPr id="228" name="CustomShape 4"/>
           <p:cNvSpPr/>
           <p:nvPr/>
         </p:nvSpPr>
         <p:spPr>
           <a:xfrm>
             <a:off x="504000" y="1188720"/>
-            <a:ext cx="9070920" cy="5668200"/>
+            <a:ext cx="9070200" cy="5667480"/>
           </a:xfrm>
           <a:prstGeom prst="rect">
             <a:avLst/>
@@ -5957,14 +7306,14 @@
       </p:sp>
       <p:sp>
         <p:nvSpPr>
-          <p:cNvPr id="193" name="CustomShape 5"/>
+          <p:cNvPr id="229" name="CustomShape 5"/>
           <p:cNvSpPr/>
           <p:nvPr/>
         </p:nvSpPr>
         <p:spPr>
           <a:xfrm>
             <a:off x="731520" y="1737360"/>
-            <a:ext cx="8502840" cy="1187640"/>
+            <a:ext cx="8502120" cy="1186920"/>
           </a:xfrm>
           <a:prstGeom prst="rect">
             <a:avLst/>
@@ -5996,18 +7345,22 @@
       </p:sp>
       <p:sp>
         <p:nvSpPr>
-          <p:cNvPr id="194" name="TextShape 6"/>
-          <p:cNvSpPr txBox="1"/>
+          <p:cNvPr id="230" name="CustomShape 6"/>
+          <p:cNvSpPr/>
           <p:nvPr/>
         </p:nvSpPr>
         <p:spPr>
           <a:xfrm>
             <a:off x="731520" y="1371600"/>
-            <a:ext cx="8869680" cy="5922720"/>
-          </a:xfrm>
-          <a:prstGeom prst="rect">
-            <a:avLst/>
-          </a:prstGeom>
+            <a:ext cx="8868960" cy="5922000"/>
+          </a:xfrm>
+          <a:prstGeom prst="rect">
+            <a:avLst/>
+          </a:prstGeom>
+          <a:noFill/>
+          <a:ln>
+            <a:noFill/>
+          </a:ln>
         </p:spPr>
         <p:txBody>
           <a:bodyPr lIns="90000" rIns="90000" tIns="45000" bIns="45000"/>
@@ -6031,13 +7384,7 @@
               <a:rPr lang="en-US" sz="2400">
                 <a:latin typeface="Arial"/>
               </a:rPr>
-              <a:t>Also check </a:t>
-            </a:r>
-            <a:r>
-              <a:rPr lang="en-US" sz="2400">
-                <a:latin typeface="Arial"/>
-              </a:rPr>
-              <a:t>https://www.quantopian.com/</a:t>
+              <a:t>Also check https://www.quantopian.com/</a:t>
             </a:r>
             <a:endParaRPr/>
           </a:p>
@@ -6046,9 +7393,12 @@
           </a:p>
           <a:p>
             <a:pPr>
+              <a:lnSpc>
+                <a:spcPct val="100000"/>
+              </a:lnSpc>
               <a:buSzPct val="45000"/>
               <a:buFont typeface="StarSymbol"/>
-              <a:buChar char=""/>
+              <a:buChar char="l"/>
             </a:pPr>
             <a:r>
               <a:rPr lang="en-US" sz="2400">
@@ -6060,9 +7410,12 @@
           </a:p>
           <a:p>
             <a:pPr>
+              <a:lnSpc>
+                <a:spcPct val="100000"/>
+              </a:lnSpc>
               <a:buSzPct val="45000"/>
               <a:buFont typeface="StarSymbol"/>
-              <a:buChar char=""/>
+              <a:buChar char="l"/>
             </a:pPr>
             <a:r>
               <a:rPr lang="en-US" sz="2400">
@@ -6074,9 +7427,12 @@
           </a:p>
           <a:p>
             <a:pPr>
+              <a:lnSpc>
+                <a:spcPct val="100000"/>
+              </a:lnSpc>
               <a:buSzPct val="45000"/>
               <a:buFont typeface="StarSymbol"/>
-              <a:buChar char=""/>
+              <a:buChar char="l"/>
             </a:pPr>
             <a:r>
               <a:rPr lang="en-US" sz="2400">
@@ -6088,9 +7444,12 @@
           </a:p>
           <a:p>
             <a:pPr>
+              <a:lnSpc>
+                <a:spcPct val="100000"/>
+              </a:lnSpc>
               <a:buSzPct val="45000"/>
               <a:buFont typeface="StarSymbol"/>
-              <a:buChar char=""/>
+              <a:buChar char="l"/>
             </a:pPr>
             <a:r>
               <a:rPr lang="en-US" sz="2400">
@@ -6101,13 +7460,21 @@
             <a:endParaRPr/>
           </a:p>
           <a:p>
-            <a:endParaRPr/>
-          </a:p>
-          <a:p>
             <a:pPr>
+              <a:lnSpc>
+                <a:spcPct val="100000"/>
+              </a:lnSpc>
+            </a:pPr>
+            <a:endParaRPr/>
+          </a:p>
+          <a:p>
+            <a:pPr>
+              <a:lnSpc>
+                <a:spcPct val="100000"/>
+              </a:lnSpc>
               <a:buSzPct val="45000"/>
               <a:buFont typeface="StarSymbol"/>
-              <a:buChar char=""/>
+              <a:buChar char="l"/>
             </a:pPr>
             <a:r>
               <a:rPr lang="en-US" sz="2400">
@@ -6118,13 +7485,21 @@
             <a:endParaRPr/>
           </a:p>
           <a:p>
-            <a:endParaRPr/>
-          </a:p>
-          <a:p>
             <a:pPr>
+              <a:lnSpc>
+                <a:spcPct val="100000"/>
+              </a:lnSpc>
+            </a:pPr>
+            <a:endParaRPr/>
+          </a:p>
+          <a:p>
+            <a:pPr>
+              <a:lnSpc>
+                <a:spcPct val="100000"/>
+              </a:lnSpc>
               <a:buSzPct val="45000"/>
               <a:buFont typeface="StarSymbol"/>
-              <a:buChar char=""/>
+              <a:buChar char="l"/>
             </a:pPr>
             <a:r>
               <a:rPr lang="en-US" sz="2400">
@@ -6135,12 +7510,27 @@
             <a:endParaRPr/>
           </a:p>
           <a:p>
-            <a:endParaRPr/>
-          </a:p>
-          <a:p>
-            <a:endParaRPr/>
-          </a:p>
-          <a:p>
+            <a:pPr>
+              <a:lnSpc>
+                <a:spcPct val="100000"/>
+              </a:lnSpc>
+            </a:pPr>
+            <a:endParaRPr/>
+          </a:p>
+          <a:p>
+            <a:pPr>
+              <a:lnSpc>
+                <a:spcPct val="100000"/>
+              </a:lnSpc>
+            </a:pPr>
+            <a:endParaRPr/>
+          </a:p>
+          <a:p>
+            <a:pPr>
+              <a:lnSpc>
+                <a:spcPct val="100000"/>
+              </a:lnSpc>
+            </a:pPr>
             <a:endParaRPr/>
           </a:p>
         </p:txBody>
@@ -6196,14 +7586,14 @@
       </p:grpSpPr>
       <p:sp>
         <p:nvSpPr>
-          <p:cNvPr id="195" name="CustomShape 1"/>
+          <p:cNvPr id="231" name="CustomShape 1"/>
           <p:cNvSpPr/>
           <p:nvPr/>
         </p:nvSpPr>
         <p:spPr>
           <a:xfrm>
             <a:off x="504000" y="301320"/>
-            <a:ext cx="9067320" cy="1258560"/>
+            <a:ext cx="9066600" cy="1257840"/>
           </a:xfrm>
           <a:prstGeom prst="rect">
             <a:avLst/>
@@ -6216,14 +7606,14 @@
       </p:sp>
       <p:sp>
         <p:nvSpPr>
-          <p:cNvPr id="196" name="CustomShape 2"/>
+          <p:cNvPr id="232" name="CustomShape 2"/>
           <p:cNvSpPr/>
           <p:nvPr/>
         </p:nvSpPr>
         <p:spPr>
           <a:xfrm>
             <a:off x="504000" y="1768680"/>
-            <a:ext cx="9068760" cy="4380840"/>
+            <a:ext cx="9068040" cy="4380120"/>
           </a:xfrm>
           <a:prstGeom prst="rect">
             <a:avLst/>
@@ -6236,14 +7626,14 @@
       </p:sp>
       <p:sp>
         <p:nvSpPr>
-          <p:cNvPr id="197" name="CustomShape 3"/>
+          <p:cNvPr id="233" name="CustomShape 3"/>
           <p:cNvSpPr/>
           <p:nvPr/>
         </p:nvSpPr>
         <p:spPr>
           <a:xfrm>
             <a:off x="504000" y="357480"/>
-            <a:ext cx="9070920" cy="1096200"/>
+            <a:ext cx="9070200" cy="1095480"/>
           </a:xfrm>
           <a:prstGeom prst="rect">
             <a:avLst/>
@@ -6273,14 +7663,14 @@
       </p:sp>
       <p:sp>
         <p:nvSpPr>
-          <p:cNvPr id="198" name="CustomShape 4"/>
+          <p:cNvPr id="234" name="CustomShape 4"/>
           <p:cNvSpPr/>
           <p:nvPr/>
         </p:nvSpPr>
         <p:spPr>
           <a:xfrm>
             <a:off x="504000" y="1188720"/>
-            <a:ext cx="9070920" cy="5668200"/>
+            <a:ext cx="9070200" cy="5667480"/>
           </a:xfrm>
           <a:prstGeom prst="rect">
             <a:avLst/>
@@ -6305,14 +7695,14 @@
       </p:sp>
       <p:sp>
         <p:nvSpPr>
-          <p:cNvPr id="199" name="CustomShape 5"/>
+          <p:cNvPr id="235" name="CustomShape 5"/>
           <p:cNvSpPr/>
           <p:nvPr/>
         </p:nvSpPr>
         <p:spPr>
           <a:xfrm>
             <a:off x="731520" y="1737360"/>
-            <a:ext cx="8502840" cy="1187640"/>
+            <a:ext cx="8502120" cy="1186920"/>
           </a:xfrm>
           <a:prstGeom prst="rect">
             <a:avLst/>
@@ -6344,7 +7734,7 @@
       </p:sp>
       <p:pic>
         <p:nvPicPr>
-          <p:cNvPr id="200" name="" descr=""/>
+          <p:cNvPr id="236" name="" descr=""/>
           <p:cNvPicPr/>
           <p:nvPr/>
         </p:nvPicPr>
@@ -6357,7 +7747,7 @@
         <p:spPr>
           <a:xfrm>
             <a:off x="591840" y="1645920"/>
-            <a:ext cx="8917920" cy="5090760"/>
+            <a:ext cx="8917200" cy="5090040"/>
           </a:xfrm>
           <a:prstGeom prst="rect">
             <a:avLst/>
@@ -6418,14 +7808,14 @@
       </p:grpSpPr>
       <p:sp>
         <p:nvSpPr>
-          <p:cNvPr id="201" name="CustomShape 1"/>
+          <p:cNvPr id="237" name="CustomShape 1"/>
           <p:cNvSpPr/>
           <p:nvPr/>
         </p:nvSpPr>
         <p:spPr>
           <a:xfrm>
             <a:off x="504000" y="301320"/>
-            <a:ext cx="9067320" cy="1258560"/>
+            <a:ext cx="9066600" cy="1257840"/>
           </a:xfrm>
           <a:prstGeom prst="rect">
             <a:avLst/>
@@ -6438,14 +7828,14 @@
       </p:sp>
       <p:sp>
         <p:nvSpPr>
-          <p:cNvPr id="202" name="CustomShape 2"/>
+          <p:cNvPr id="238" name="CustomShape 2"/>
           <p:cNvSpPr/>
           <p:nvPr/>
         </p:nvSpPr>
         <p:spPr>
           <a:xfrm>
             <a:off x="504000" y="1768680"/>
-            <a:ext cx="9068760" cy="4380840"/>
+            <a:ext cx="9068040" cy="4380120"/>
           </a:xfrm>
           <a:prstGeom prst="rect">
             <a:avLst/>
@@ -6458,14 +7848,14 @@
       </p:sp>
       <p:sp>
         <p:nvSpPr>
-          <p:cNvPr id="203" name="CustomShape 3"/>
+          <p:cNvPr id="239" name="CustomShape 3"/>
           <p:cNvSpPr/>
           <p:nvPr/>
         </p:nvSpPr>
         <p:spPr>
           <a:xfrm>
             <a:off x="504000" y="357480"/>
-            <a:ext cx="9070920" cy="1096200"/>
+            <a:ext cx="9070200" cy="1095480"/>
           </a:xfrm>
           <a:prstGeom prst="rect">
             <a:avLst/>
@@ -6495,14 +7885,14 @@
       </p:sp>
       <p:sp>
         <p:nvSpPr>
-          <p:cNvPr id="204" name="CustomShape 4"/>
+          <p:cNvPr id="240" name="CustomShape 4"/>
           <p:cNvSpPr/>
           <p:nvPr/>
         </p:nvSpPr>
         <p:spPr>
           <a:xfrm>
             <a:off x="504000" y="1188720"/>
-            <a:ext cx="9070920" cy="5668200"/>
+            <a:ext cx="9070200" cy="5667480"/>
           </a:xfrm>
           <a:prstGeom prst="rect">
             <a:avLst/>
@@ -6527,14 +7917,14 @@
       </p:sp>
       <p:sp>
         <p:nvSpPr>
-          <p:cNvPr id="205" name="CustomShape 5"/>
+          <p:cNvPr id="241" name="CustomShape 5"/>
           <p:cNvSpPr/>
           <p:nvPr/>
         </p:nvSpPr>
         <p:spPr>
           <a:xfrm>
             <a:off x="731520" y="1737360"/>
-            <a:ext cx="8502840" cy="1187640"/>
+            <a:ext cx="8502120" cy="1186920"/>
           </a:xfrm>
           <a:prstGeom prst="rect">
             <a:avLst/>
@@ -6566,7 +7956,7 @@
       </p:sp>
       <p:pic>
         <p:nvPicPr>
-          <p:cNvPr id="206" name="" descr=""/>
+          <p:cNvPr id="242" name="" descr=""/>
           <p:cNvPicPr/>
           <p:nvPr/>
         </p:nvPicPr>
@@ -6579,7 +7969,7 @@
         <p:spPr>
           <a:xfrm>
             <a:off x="505080" y="1475640"/>
-            <a:ext cx="9144000" cy="4650840"/>
+            <a:ext cx="9143280" cy="4650120"/>
           </a:xfrm>
           <a:prstGeom prst="rect">
             <a:avLst/>
@@ -6591,18 +7981,22 @@
       </p:pic>
       <p:sp>
         <p:nvSpPr>
-          <p:cNvPr id="207" name="TextShape 6"/>
-          <p:cNvSpPr txBox="1"/>
+          <p:cNvPr id="243" name="CustomShape 6"/>
+          <p:cNvSpPr/>
           <p:nvPr/>
         </p:nvSpPr>
         <p:spPr>
           <a:xfrm>
             <a:off x="1266840" y="6290280"/>
-            <a:ext cx="7785720" cy="659160"/>
-          </a:xfrm>
-          <a:prstGeom prst="rect">
-            <a:avLst/>
-          </a:prstGeom>
+            <a:ext cx="7785000" cy="658440"/>
+          </a:xfrm>
+          <a:prstGeom prst="rect">
+            <a:avLst/>
+          </a:prstGeom>
+          <a:noFill/>
+          <a:ln>
+            <a:noFill/>
+          </a:ln>
         </p:spPr>
         <p:txBody>
           <a:bodyPr lIns="90000" rIns="90000" tIns="45000" bIns="45000"/>
@@ -6673,14 +8067,14 @@
       </p:grpSpPr>
       <p:sp>
         <p:nvSpPr>
-          <p:cNvPr id="208" name="CustomShape 1"/>
+          <p:cNvPr id="244" name="CustomShape 1"/>
           <p:cNvSpPr/>
           <p:nvPr/>
         </p:nvSpPr>
         <p:spPr>
           <a:xfrm>
             <a:off x="504000" y="301320"/>
-            <a:ext cx="9067320" cy="792360"/>
+            <a:ext cx="9066600" cy="791640"/>
           </a:xfrm>
           <a:prstGeom prst="rect">
             <a:avLst/>
@@ -6710,7 +8104,7 @@
       </p:sp>
       <p:pic>
         <p:nvPicPr>
-          <p:cNvPr id="209" name="" descr=""/>
+          <p:cNvPr id="245" name="" descr=""/>
           <p:cNvPicPr/>
           <p:nvPr/>
         </p:nvPicPr>
@@ -6723,7 +8117,7 @@
         <p:spPr>
           <a:xfrm>
             <a:off x="91440" y="1463040"/>
-            <a:ext cx="9871920" cy="5398920"/>
+            <a:ext cx="9871200" cy="5398200"/>
           </a:xfrm>
           <a:prstGeom prst="rect">
             <a:avLst/>
@@ -6784,14 +8178,14 @@
       </p:grpSpPr>
       <p:sp>
         <p:nvSpPr>
-          <p:cNvPr id="210" name="CustomShape 1"/>
+          <p:cNvPr id="246" name="CustomShape 1"/>
           <p:cNvSpPr/>
           <p:nvPr/>
         </p:nvSpPr>
         <p:spPr>
           <a:xfrm>
             <a:off x="504000" y="301320"/>
-            <a:ext cx="9067320" cy="883800"/>
+            <a:ext cx="9066600" cy="883080"/>
           </a:xfrm>
           <a:prstGeom prst="rect">
             <a:avLst/>
@@ -6821,14 +8215,14 @@
       </p:sp>
       <p:sp>
         <p:nvSpPr>
-          <p:cNvPr id="211" name="CustomShape 2"/>
+          <p:cNvPr id="247" name="CustomShape 2"/>
           <p:cNvSpPr/>
           <p:nvPr/>
         </p:nvSpPr>
         <p:spPr>
           <a:xfrm>
             <a:off x="504000" y="1280160"/>
-            <a:ext cx="4340160" cy="5757120"/>
+            <a:ext cx="4339440" cy="5756400"/>
           </a:xfrm>
           <a:prstGeom prst="rect">
             <a:avLst/>
@@ -6981,14 +8375,14 @@
       </p:sp>
       <p:sp>
         <p:nvSpPr>
-          <p:cNvPr id="212" name="CustomShape 3"/>
+          <p:cNvPr id="248" name="CustomShape 3"/>
           <p:cNvSpPr/>
           <p:nvPr/>
         </p:nvSpPr>
         <p:spPr>
           <a:xfrm>
             <a:off x="4846320" y="1280160"/>
-            <a:ext cx="4569840" cy="5757120"/>
+            <a:ext cx="4569120" cy="5756400"/>
           </a:xfrm>
           <a:prstGeom prst="rect">
             <a:avLst/>
@@ -7151,14 +8545,14 @@
       </p:grpSpPr>
       <p:sp>
         <p:nvSpPr>
-          <p:cNvPr id="213" name="CustomShape 1"/>
+          <p:cNvPr id="249" name="CustomShape 1"/>
           <p:cNvSpPr/>
           <p:nvPr/>
         </p:nvSpPr>
         <p:spPr>
           <a:xfrm>
             <a:off x="504000" y="301320"/>
-            <a:ext cx="9067320" cy="883800"/>
+            <a:ext cx="9066600" cy="883080"/>
           </a:xfrm>
           <a:prstGeom prst="rect">
             <a:avLst/>
@@ -7188,14 +8582,14 @@
       </p:sp>
       <p:sp>
         <p:nvSpPr>
-          <p:cNvPr id="214" name="CustomShape 2"/>
+          <p:cNvPr id="250" name="CustomShape 2"/>
           <p:cNvSpPr/>
           <p:nvPr/>
         </p:nvSpPr>
         <p:spPr>
           <a:xfrm>
             <a:off x="498600" y="1280160"/>
-            <a:ext cx="4437360" cy="5757120"/>
+            <a:ext cx="4436640" cy="5756400"/>
           </a:xfrm>
           <a:prstGeom prst="rect">
             <a:avLst/>
@@ -7441,14 +8835,14 @@
       </p:sp>
       <p:sp>
         <p:nvSpPr>
-          <p:cNvPr id="215" name="CustomShape 3"/>
+          <p:cNvPr id="251" name="CustomShape 3"/>
           <p:cNvSpPr/>
           <p:nvPr/>
         </p:nvSpPr>
         <p:spPr>
           <a:xfrm>
             <a:off x="4937760" y="1280160"/>
-            <a:ext cx="4659840" cy="5757120"/>
+            <a:ext cx="4659120" cy="5756400"/>
           </a:xfrm>
           <a:prstGeom prst="rect">
             <a:avLst/>
@@ -7752,14 +9146,14 @@
       </p:grpSpPr>
       <p:sp>
         <p:nvSpPr>
-          <p:cNvPr id="216" name="CustomShape 1"/>
+          <p:cNvPr id="252" name="CustomShape 1"/>
           <p:cNvSpPr/>
           <p:nvPr/>
         </p:nvSpPr>
         <p:spPr>
           <a:xfrm>
             <a:off x="504000" y="301320"/>
-            <a:ext cx="9067320" cy="883800"/>
+            <a:ext cx="9066600" cy="883080"/>
           </a:xfrm>
           <a:prstGeom prst="rect">
             <a:avLst/>
@@ -7789,14 +9183,14 @@
       </p:sp>
       <p:sp>
         <p:nvSpPr>
-          <p:cNvPr id="217" name="CustomShape 2"/>
+          <p:cNvPr id="253" name="CustomShape 2"/>
           <p:cNvSpPr/>
           <p:nvPr/>
         </p:nvSpPr>
         <p:spPr>
           <a:xfrm>
             <a:off x="504000" y="1280160"/>
-            <a:ext cx="9067680" cy="5757120"/>
+            <a:ext cx="9066960" cy="5756400"/>
           </a:xfrm>
           <a:prstGeom prst="rect">
             <a:avLst/>
@@ -8073,77 +9467,89 @@
       </p:grpSpPr>
       <p:sp>
         <p:nvSpPr>
-          <p:cNvPr id="218" name="TextShape 1"/>
-          <p:cNvSpPr txBox="1"/>
-          <p:nvPr/>
-        </p:nvSpPr>
-        <p:spPr>
-          <a:xfrm>
-            <a:off x="274320" y="301320"/>
-            <a:ext cx="9509760" cy="978840"/>
-          </a:xfrm>
-          <a:prstGeom prst="rect">
-            <a:avLst/>
-          </a:prstGeom>
-        </p:spPr>
-        <p:txBody>
-          <a:bodyPr lIns="0" rIns="0" tIns="0" bIns="0" anchor="ctr"/>
-          <a:p>
-            <a:pPr algn="ctr"/>
-            <a:r>
-              <a:rPr lang="en-US" sz="4000">
-                <a:latin typeface="Arial"/>
-              </a:rPr>
-              <a:t>Implement Your Own Trading Platform (1)</a:t>
-            </a:r>
-            <a:endParaRPr/>
-          </a:p>
-        </p:txBody>
-      </p:sp>
-      <p:sp>
-        <p:nvSpPr>
-          <p:cNvPr id="219" name="TextShape 2"/>
-          <p:cNvSpPr txBox="1"/>
-          <p:nvPr/>
-        </p:nvSpPr>
-        <p:spPr>
-          <a:xfrm>
-            <a:off x="457200" y="1416240"/>
-            <a:ext cx="9052560" cy="686880"/>
-          </a:xfrm>
-          <a:prstGeom prst="rect">
-            <a:avLst/>
-          </a:prstGeom>
-        </p:spPr>
-        <p:txBody>
-          <a:bodyPr lIns="0" rIns="0" tIns="0" bIns="0" anchor="ctr"/>
-          <a:p>
-            <a:r>
-              <a:rPr b="1" lang="en-US" sz="2400">
-                <a:latin typeface="Arial"/>
-              </a:rPr>
-              <a:t>Is it a good idea?</a:t>
-            </a:r>
-            <a:r>
-              <a:rPr lang="en-US" sz="2400">
-                <a:latin typeface="Arial"/>
-              </a:rPr>
-              <a:t> Probably not for most people, definitely yes for some. Depends on your needs, free time, interests...</a:t>
-            </a:r>
-            <a:endParaRPr/>
-          </a:p>
-        </p:txBody>
-      </p:sp>
-      <p:sp>
-        <p:nvSpPr>
-          <p:cNvPr id="220" name="CustomShape 3"/>
+          <p:cNvPr id="254" name="CustomShape 1"/>
           <p:cNvSpPr/>
           <p:nvPr/>
         </p:nvSpPr>
         <p:spPr>
           <a:xfrm>
+            <a:off x="274320" y="301320"/>
+            <a:ext cx="9509040" cy="978120"/>
+          </a:xfrm>
+          <a:prstGeom prst="rect">
+            <a:avLst/>
+          </a:prstGeom>
+          <a:noFill/>
+          <a:ln>
+            <a:noFill/>
+          </a:ln>
+        </p:spPr>
+        <p:txBody>
+          <a:bodyPr lIns="0" rIns="0" tIns="0" bIns="0" anchor="ctr"/>
+          <a:p>
+            <a:pPr algn="ctr">
+              <a:lnSpc>
+                <a:spcPct val="100000"/>
+              </a:lnSpc>
+            </a:pPr>
+            <a:r>
+              <a:rPr lang="en-US" sz="4000">
+                <a:latin typeface="Arial"/>
+              </a:rPr>
+              <a:t>Implement Your Own Trading Platform (1)</a:t>
+            </a:r>
+            <a:endParaRPr/>
+          </a:p>
+        </p:txBody>
+      </p:sp>
+      <p:sp>
+        <p:nvSpPr>
+          <p:cNvPr id="255" name="CustomShape 2"/>
+          <p:cNvSpPr/>
+          <p:nvPr/>
+        </p:nvSpPr>
+        <p:spPr>
+          <a:xfrm>
+            <a:off x="457200" y="1416240"/>
+            <a:ext cx="9051840" cy="686160"/>
+          </a:xfrm>
+          <a:prstGeom prst="rect">
+            <a:avLst/>
+          </a:prstGeom>
+          <a:noFill/>
+          <a:ln>
+            <a:noFill/>
+          </a:ln>
+        </p:spPr>
+        <p:txBody>
+          <a:bodyPr lIns="0" rIns="0" tIns="0" bIns="0" anchor="ctr"/>
+          <a:p>
+            <a:r>
+              <a:rPr b="1" lang="en-US" sz="2400">
+                <a:latin typeface="Arial"/>
+              </a:rPr>
+              <a:t>Is it a good idea?</a:t>
+            </a:r>
+            <a:r>
+              <a:rPr lang="en-US" sz="2400">
+                <a:latin typeface="Arial"/>
+              </a:rPr>
+              <a:t> Probably not for most people, definitely yes for some. Depends on your needs, free time, interests, skills...</a:t>
+            </a:r>
+            <a:endParaRPr/>
+          </a:p>
+        </p:txBody>
+      </p:sp>
+      <p:sp>
+        <p:nvSpPr>
+          <p:cNvPr id="256" name="CustomShape 3"/>
+          <p:cNvSpPr/>
+          <p:nvPr/>
+        </p:nvSpPr>
+        <p:spPr>
+          <a:xfrm>
             <a:off x="501120" y="2286000"/>
-            <a:ext cx="4437360" cy="4754880"/>
+            <a:ext cx="4436640" cy="4754160"/>
           </a:xfrm>
           <a:prstGeom prst="rect">
             <a:avLst/>
@@ -8218,14 +9624,14 @@
       </p:sp>
       <p:sp>
         <p:nvSpPr>
-          <p:cNvPr id="221" name="CustomShape 4"/>
+          <p:cNvPr id="257" name="CustomShape 4"/>
           <p:cNvSpPr/>
           <p:nvPr/>
         </p:nvSpPr>
         <p:spPr>
           <a:xfrm>
             <a:off x="4938480" y="2286000"/>
-            <a:ext cx="4659840" cy="4759920"/>
+            <a:ext cx="4659120" cy="4759200"/>
           </a:xfrm>
           <a:prstGeom prst="rect">
             <a:avLst/>
@@ -8343,43 +9749,51 @@
       </p:grpSpPr>
       <p:sp>
         <p:nvSpPr>
-          <p:cNvPr id="222" name="TextShape 1"/>
-          <p:cNvSpPr txBox="1"/>
-          <p:nvPr/>
-        </p:nvSpPr>
-        <p:spPr>
-          <a:xfrm>
-            <a:off x="274320" y="301320"/>
-            <a:ext cx="9509760" cy="978840"/>
-          </a:xfrm>
-          <a:prstGeom prst="rect">
-            <a:avLst/>
-          </a:prstGeom>
-        </p:spPr>
-        <p:txBody>
-          <a:bodyPr lIns="0" rIns="0" tIns="0" bIns="0" anchor="ctr"/>
-          <a:p>
-            <a:pPr algn="ctr"/>
-            <a:r>
-              <a:rPr lang="en-US" sz="4000">
-                <a:latin typeface="Arial"/>
-              </a:rPr>
-              <a:t>Implement Your Own Trading Platform (2)</a:t>
-            </a:r>
-            <a:endParaRPr/>
-          </a:p>
-        </p:txBody>
-      </p:sp>
-      <p:sp>
-        <p:nvSpPr>
-          <p:cNvPr id="223" name="CustomShape 2"/>
+          <p:cNvPr id="258" name="CustomShape 1"/>
           <p:cNvSpPr/>
           <p:nvPr/>
         </p:nvSpPr>
         <p:spPr>
           <a:xfrm>
+            <a:off x="274320" y="301320"/>
+            <a:ext cx="9509040" cy="978120"/>
+          </a:xfrm>
+          <a:prstGeom prst="rect">
+            <a:avLst/>
+          </a:prstGeom>
+          <a:noFill/>
+          <a:ln>
+            <a:noFill/>
+          </a:ln>
+        </p:spPr>
+        <p:txBody>
+          <a:bodyPr lIns="0" rIns="0" tIns="0" bIns="0" anchor="ctr"/>
+          <a:p>
+            <a:pPr algn="ctr">
+              <a:lnSpc>
+                <a:spcPct val="100000"/>
+              </a:lnSpc>
+            </a:pPr>
+            <a:r>
+              <a:rPr lang="en-US" sz="4000">
+                <a:latin typeface="Arial"/>
+              </a:rPr>
+              <a:t>Implement Your Own Trading Platform (2)</a:t>
+            </a:r>
+            <a:endParaRPr/>
+          </a:p>
+        </p:txBody>
+      </p:sp>
+      <p:sp>
+        <p:nvSpPr>
+          <p:cNvPr id="259" name="CustomShape 2"/>
+          <p:cNvSpPr/>
+          <p:nvPr/>
+        </p:nvSpPr>
+        <p:spPr>
+          <a:xfrm>
             <a:off x="501120" y="1371600"/>
-            <a:ext cx="4437360" cy="5486400"/>
+            <a:ext cx="4436640" cy="5485680"/>
           </a:xfrm>
           <a:prstGeom prst="rect">
             <a:avLst/>
@@ -8410,7 +9824,7 @@
               <a:rPr lang="en-US" sz="2000">
                 <a:latin typeface="Arial"/>
               </a:rPr>
-              <a:t>New features: wait for the next release, or implement them yourself (as far as the platform's language and openness allows it).</a:t>
+              <a:t>New features: wait till they get implemented, or implement them yourself (as far as the platform's language and openness allows it).</a:t>
             </a:r>
             <a:endParaRPr/>
           </a:p>
@@ -8442,14 +9856,14 @@
       </p:sp>
       <p:sp>
         <p:nvSpPr>
-          <p:cNvPr id="224" name="CustomShape 3"/>
+          <p:cNvPr id="260" name="CustomShape 3"/>
           <p:cNvSpPr/>
           <p:nvPr/>
         </p:nvSpPr>
         <p:spPr>
           <a:xfrm>
             <a:off x="4938480" y="1371600"/>
-            <a:ext cx="4659840" cy="5486400"/>
+            <a:ext cx="4659120" cy="5485680"/>
           </a:xfrm>
           <a:prstGeom prst="rect">
             <a:avLst/>
@@ -8516,7 +9930,7 @@
               <a:rPr lang="en-US" sz="2000">
                 <a:latin typeface="Arial"/>
               </a:rPr>
-              <a:t>Reliability: it's easy to make something simple to prototype and test ideas. It requires quite some professional skill and effort to make it good enough for trading with real money.</a:t>
+              <a:t>Reliability: it's easy to make something simple to prototype and test ideas. It requires quite some professional skill, effort and judgement to make it good enough for trading with real money.</a:t>
             </a:r>
             <a:endParaRPr/>
           </a:p>
@@ -8573,14 +9987,14 @@
       </p:grpSpPr>
       <p:sp>
         <p:nvSpPr>
-          <p:cNvPr id="147" name="CustomShape 1"/>
+          <p:cNvPr id="183" name="CustomShape 1"/>
           <p:cNvSpPr/>
           <p:nvPr/>
         </p:nvSpPr>
         <p:spPr>
           <a:xfrm>
             <a:off x="1188720" y="914400"/>
-            <a:ext cx="7677720" cy="5235120"/>
+            <a:ext cx="7677000" cy="5234400"/>
           </a:xfrm>
           <a:prstGeom prst="rect">
             <a:avLst/>
@@ -8698,14 +10112,14 @@
       </p:grpSpPr>
       <p:sp>
         <p:nvSpPr>
-          <p:cNvPr id="225" name="CustomShape 1"/>
+          <p:cNvPr id="261" name="CustomShape 1"/>
           <p:cNvSpPr/>
           <p:nvPr/>
         </p:nvSpPr>
         <p:spPr>
           <a:xfrm>
             <a:off x="504000" y="457200"/>
-            <a:ext cx="9071280" cy="6765840"/>
+            <a:ext cx="9070560" cy="6765120"/>
           </a:xfrm>
           <a:prstGeom prst="rect">
             <a:avLst/>
@@ -8814,14 +10228,14 @@
       </p:grpSpPr>
       <p:sp>
         <p:nvSpPr>
-          <p:cNvPr id="148" name="CustomShape 1"/>
+          <p:cNvPr id="184" name="CustomShape 1"/>
           <p:cNvSpPr/>
           <p:nvPr/>
         </p:nvSpPr>
         <p:spPr>
           <a:xfrm>
             <a:off x="504000" y="548640"/>
-            <a:ext cx="9068760" cy="6489360"/>
+            <a:ext cx="9068040" cy="6488640"/>
           </a:xfrm>
           <a:prstGeom prst="rect">
             <a:avLst/>
@@ -8902,7 +10316,7 @@
               <a:rPr lang="en-US" sz="2400">
                 <a:latin typeface="Arial"/>
               </a:rPr>
-              <a:t>~1000 trades a year in commodity futures and US stocks</a:t>
+              <a:t>500-1000 trades a year in commodity futures and US stocks</a:t>
             </a:r>
             <a:endParaRPr/>
           </a:p>
@@ -9002,7 +10416,7 @@
       </p:sp>
       <p:pic>
         <p:nvPicPr>
-          <p:cNvPr id="149" name="" descr=""/>
+          <p:cNvPr id="185" name="" descr=""/>
           <p:cNvPicPr/>
           <p:nvPr/>
         </p:nvPicPr>
@@ -9015,7 +10429,7 @@
         <p:spPr>
           <a:xfrm>
             <a:off x="365760" y="3145680"/>
-            <a:ext cx="8775720" cy="2886840"/>
+            <a:ext cx="8775000" cy="2886120"/>
           </a:xfrm>
           <a:prstGeom prst="rect">
             <a:avLst/>
@@ -9076,14 +10490,14 @@
       </p:grpSpPr>
       <p:sp>
         <p:nvSpPr>
-          <p:cNvPr id="150" name="CustomShape 1"/>
+          <p:cNvPr id="186" name="CustomShape 1"/>
           <p:cNvSpPr/>
           <p:nvPr/>
         </p:nvSpPr>
         <p:spPr>
           <a:xfrm>
             <a:off x="504000" y="301320"/>
-            <a:ext cx="9067320" cy="1258560"/>
+            <a:ext cx="9066600" cy="1257840"/>
           </a:xfrm>
           <a:prstGeom prst="rect">
             <a:avLst/>
@@ -9096,14 +10510,14 @@
       </p:sp>
       <p:sp>
         <p:nvSpPr>
-          <p:cNvPr id="151" name="CustomShape 2"/>
+          <p:cNvPr id="187" name="CustomShape 2"/>
           <p:cNvSpPr/>
           <p:nvPr/>
         </p:nvSpPr>
         <p:spPr>
           <a:xfrm>
             <a:off x="504000" y="1768680"/>
-            <a:ext cx="9068760" cy="4380840"/>
+            <a:ext cx="9068040" cy="4380120"/>
           </a:xfrm>
           <a:prstGeom prst="rect">
             <a:avLst/>
@@ -9116,14 +10530,14 @@
       </p:sp>
       <p:sp>
         <p:nvSpPr>
-          <p:cNvPr id="152" name="CustomShape 3"/>
+          <p:cNvPr id="188" name="CustomShape 3"/>
           <p:cNvSpPr/>
           <p:nvPr/>
         </p:nvSpPr>
         <p:spPr>
           <a:xfrm>
             <a:off x="504000" y="301320"/>
-            <a:ext cx="9070920" cy="977760"/>
+            <a:ext cx="9070200" cy="977040"/>
           </a:xfrm>
           <a:prstGeom prst="rect">
             <a:avLst/>
@@ -9153,14 +10567,14 @@
       </p:sp>
       <p:sp>
         <p:nvSpPr>
-          <p:cNvPr id="153" name="CustomShape 4"/>
+          <p:cNvPr id="189" name="CustomShape 4"/>
           <p:cNvSpPr/>
           <p:nvPr/>
         </p:nvSpPr>
         <p:spPr>
           <a:xfrm>
             <a:off x="504000" y="1371600"/>
-            <a:ext cx="9070920" cy="5485320"/>
+            <a:ext cx="9070200" cy="5484600"/>
           </a:xfrm>
           <a:prstGeom prst="rect">
             <a:avLst/>
@@ -9191,14 +10605,14 @@
       </p:sp>
       <p:sp>
         <p:nvSpPr>
-          <p:cNvPr id="154" name="CustomShape 5"/>
+          <p:cNvPr id="190" name="CustomShape 5"/>
           <p:cNvSpPr/>
           <p:nvPr/>
         </p:nvSpPr>
         <p:spPr>
           <a:xfrm>
             <a:off x="914400" y="1645920"/>
-            <a:ext cx="8228880" cy="4937040"/>
+            <a:ext cx="8228160" cy="4936320"/>
           </a:xfrm>
           <a:prstGeom prst="rect">
             <a:avLst/>
@@ -9314,14 +10728,14 @@
       </p:grpSpPr>
       <p:sp>
         <p:nvSpPr>
-          <p:cNvPr id="155" name="CustomShape 1"/>
+          <p:cNvPr id="191" name="CustomShape 1"/>
           <p:cNvSpPr/>
           <p:nvPr/>
         </p:nvSpPr>
         <p:spPr>
           <a:xfrm>
             <a:off x="504000" y="301320"/>
-            <a:ext cx="9067320" cy="1258560"/>
+            <a:ext cx="9066600" cy="1257840"/>
           </a:xfrm>
           <a:prstGeom prst="rect">
             <a:avLst/>
@@ -9334,14 +10748,14 @@
       </p:sp>
       <p:sp>
         <p:nvSpPr>
-          <p:cNvPr id="156" name="CustomShape 2"/>
+          <p:cNvPr id="192" name="CustomShape 2"/>
           <p:cNvSpPr/>
           <p:nvPr/>
         </p:nvSpPr>
         <p:spPr>
           <a:xfrm>
             <a:off x="504000" y="1768680"/>
-            <a:ext cx="9068760" cy="4380840"/>
+            <a:ext cx="9068040" cy="4380120"/>
           </a:xfrm>
           <a:prstGeom prst="rect">
             <a:avLst/>
@@ -9354,14 +10768,14 @@
       </p:sp>
       <p:sp>
         <p:nvSpPr>
-          <p:cNvPr id="157" name="CustomShape 3"/>
+          <p:cNvPr id="193" name="CustomShape 3"/>
           <p:cNvSpPr/>
           <p:nvPr/>
         </p:nvSpPr>
         <p:spPr>
           <a:xfrm>
             <a:off x="504000" y="301320"/>
-            <a:ext cx="9070920" cy="977760"/>
+            <a:ext cx="9070200" cy="977040"/>
           </a:xfrm>
           <a:prstGeom prst="rect">
             <a:avLst/>
@@ -9391,14 +10805,14 @@
       </p:sp>
       <p:sp>
         <p:nvSpPr>
-          <p:cNvPr id="158" name="CustomShape 4"/>
+          <p:cNvPr id="194" name="CustomShape 4"/>
           <p:cNvSpPr/>
           <p:nvPr/>
         </p:nvSpPr>
         <p:spPr>
           <a:xfrm>
             <a:off x="504000" y="1371600"/>
-            <a:ext cx="9070920" cy="5485320"/>
+            <a:ext cx="9070200" cy="5484600"/>
           </a:xfrm>
           <a:prstGeom prst="rect">
             <a:avLst/>
@@ -9429,14 +10843,14 @@
       </p:sp>
       <p:sp>
         <p:nvSpPr>
-          <p:cNvPr id="159" name="CustomShape 5"/>
+          <p:cNvPr id="195" name="CustomShape 5"/>
           <p:cNvSpPr/>
           <p:nvPr/>
         </p:nvSpPr>
         <p:spPr>
           <a:xfrm>
             <a:off x="914400" y="1645920"/>
-            <a:ext cx="8228880" cy="4937040"/>
+            <a:ext cx="8228160" cy="4936320"/>
           </a:xfrm>
           <a:prstGeom prst="rect">
             <a:avLst/>
@@ -9561,14 +10975,14 @@
       </p:grpSpPr>
       <p:sp>
         <p:nvSpPr>
-          <p:cNvPr id="160" name="CustomShape 1"/>
+          <p:cNvPr id="196" name="CustomShape 1"/>
           <p:cNvSpPr/>
           <p:nvPr/>
         </p:nvSpPr>
         <p:spPr>
           <a:xfrm>
             <a:off x="504000" y="301320"/>
-            <a:ext cx="9067320" cy="1258560"/>
+            <a:ext cx="9066600" cy="1257840"/>
           </a:xfrm>
           <a:prstGeom prst="rect">
             <a:avLst/>
@@ -9581,14 +10995,14 @@
       </p:sp>
       <p:sp>
         <p:nvSpPr>
-          <p:cNvPr id="161" name="CustomShape 2"/>
+          <p:cNvPr id="197" name="CustomShape 2"/>
           <p:cNvSpPr/>
           <p:nvPr/>
         </p:nvSpPr>
         <p:spPr>
           <a:xfrm>
             <a:off x="504000" y="1768680"/>
-            <a:ext cx="9068760" cy="4380840"/>
+            <a:ext cx="9068040" cy="4380120"/>
           </a:xfrm>
           <a:prstGeom prst="rect">
             <a:avLst/>
@@ -9601,14 +11015,14 @@
       </p:sp>
       <p:sp>
         <p:nvSpPr>
-          <p:cNvPr id="162" name="CustomShape 3"/>
+          <p:cNvPr id="198" name="CustomShape 3"/>
           <p:cNvSpPr/>
           <p:nvPr/>
         </p:nvSpPr>
         <p:spPr>
           <a:xfrm>
             <a:off x="504000" y="301320"/>
-            <a:ext cx="9070920" cy="977760"/>
+            <a:ext cx="9070200" cy="977040"/>
           </a:xfrm>
           <a:prstGeom prst="rect">
             <a:avLst/>
@@ -9638,14 +11052,14 @@
       </p:sp>
       <p:sp>
         <p:nvSpPr>
-          <p:cNvPr id="163" name="CustomShape 4"/>
+          <p:cNvPr id="199" name="CustomShape 4"/>
           <p:cNvSpPr/>
           <p:nvPr/>
         </p:nvSpPr>
         <p:spPr>
           <a:xfrm>
             <a:off x="504000" y="1371600"/>
-            <a:ext cx="9070920" cy="5485320"/>
+            <a:ext cx="9070200" cy="5484600"/>
           </a:xfrm>
           <a:prstGeom prst="rect">
             <a:avLst/>
@@ -9719,7 +11133,7 @@
       </p:sp>
       <p:pic>
         <p:nvPicPr>
-          <p:cNvPr id="164" name="" descr=""/>
+          <p:cNvPr id="200" name="" descr=""/>
           <p:cNvPicPr/>
           <p:nvPr/>
         </p:nvPicPr>
@@ -9732,7 +11146,7 @@
         <p:spPr>
           <a:xfrm>
             <a:off x="457200" y="3291840"/>
-            <a:ext cx="9117720" cy="3931200"/>
+            <a:ext cx="9117000" cy="3930480"/>
           </a:xfrm>
           <a:prstGeom prst="rect">
             <a:avLst/>
@@ -9793,14 +11207,14 @@
       </p:grpSpPr>
       <p:sp>
         <p:nvSpPr>
-          <p:cNvPr id="165" name="CustomShape 1"/>
+          <p:cNvPr id="201" name="CustomShape 1"/>
           <p:cNvSpPr/>
           <p:nvPr/>
         </p:nvSpPr>
         <p:spPr>
           <a:xfrm>
             <a:off x="504000" y="301320"/>
-            <a:ext cx="9067320" cy="1258560"/>
+            <a:ext cx="9066600" cy="1257840"/>
           </a:xfrm>
           <a:prstGeom prst="rect">
             <a:avLst/>
@@ -9813,14 +11227,14 @@
       </p:sp>
       <p:sp>
         <p:nvSpPr>
-          <p:cNvPr id="166" name="CustomShape 2"/>
+          <p:cNvPr id="202" name="CustomShape 2"/>
           <p:cNvSpPr/>
           <p:nvPr/>
         </p:nvSpPr>
         <p:spPr>
           <a:xfrm>
             <a:off x="504000" y="1768680"/>
-            <a:ext cx="9068760" cy="4380840"/>
+            <a:ext cx="9068040" cy="4380120"/>
           </a:xfrm>
           <a:prstGeom prst="rect">
             <a:avLst/>
@@ -9833,14 +11247,14 @@
       </p:sp>
       <p:sp>
         <p:nvSpPr>
-          <p:cNvPr id="167" name="CustomShape 3"/>
+          <p:cNvPr id="203" name="CustomShape 3"/>
           <p:cNvSpPr/>
           <p:nvPr/>
         </p:nvSpPr>
         <p:spPr>
           <a:xfrm>
             <a:off x="504000" y="357480"/>
-            <a:ext cx="9070920" cy="1096200"/>
+            <a:ext cx="9070200" cy="1095480"/>
           </a:xfrm>
           <a:prstGeom prst="rect">
             <a:avLst/>
@@ -9870,14 +11284,14 @@
       </p:sp>
       <p:sp>
         <p:nvSpPr>
-          <p:cNvPr id="168" name="CustomShape 4"/>
+          <p:cNvPr id="204" name="CustomShape 4"/>
           <p:cNvSpPr/>
           <p:nvPr/>
         </p:nvSpPr>
         <p:spPr>
           <a:xfrm>
             <a:off x="504000" y="1188720"/>
-            <a:ext cx="9070920" cy="5668200"/>
+            <a:ext cx="9070200" cy="5667480"/>
           </a:xfrm>
           <a:prstGeom prst="rect">
             <a:avLst/>
@@ -9902,7 +11316,7 @@
       </p:sp>
       <p:pic>
         <p:nvPicPr>
-          <p:cNvPr id="169" name="" descr=""/>
+          <p:cNvPr id="205" name="" descr=""/>
           <p:cNvPicPr/>
           <p:nvPr/>
         </p:nvPicPr>
@@ -9915,7 +11329,7 @@
         <p:spPr>
           <a:xfrm>
             <a:off x="445320" y="3259440"/>
-            <a:ext cx="9063360" cy="3780360"/>
+            <a:ext cx="9062640" cy="3779640"/>
           </a:xfrm>
           <a:prstGeom prst="rect">
             <a:avLst/>
@@ -9927,14 +11341,14 @@
       </p:pic>
       <p:sp>
         <p:nvSpPr>
-          <p:cNvPr id="170" name="CustomShape 5"/>
+          <p:cNvPr id="206" name="CustomShape 5"/>
           <p:cNvSpPr/>
           <p:nvPr/>
         </p:nvSpPr>
         <p:spPr>
           <a:xfrm>
             <a:off x="731520" y="1645920"/>
-            <a:ext cx="8502840" cy="1279080"/>
+            <a:ext cx="8502120" cy="1278360"/>
           </a:xfrm>
           <a:prstGeom prst="rect">
             <a:avLst/>
@@ -10008,14 +11422,14 @@
       </p:grpSpPr>
       <p:sp>
         <p:nvSpPr>
-          <p:cNvPr id="171" name="CustomShape 1"/>
+          <p:cNvPr id="207" name="CustomShape 1"/>
           <p:cNvSpPr/>
           <p:nvPr/>
         </p:nvSpPr>
         <p:spPr>
           <a:xfrm>
             <a:off x="504000" y="301320"/>
-            <a:ext cx="9067320" cy="1258560"/>
+            <a:ext cx="9066600" cy="1257840"/>
           </a:xfrm>
           <a:prstGeom prst="rect">
             <a:avLst/>
@@ -10028,14 +11442,14 @@
       </p:sp>
       <p:sp>
         <p:nvSpPr>
-          <p:cNvPr id="172" name="CustomShape 2"/>
+          <p:cNvPr id="208" name="CustomShape 2"/>
           <p:cNvSpPr/>
           <p:nvPr/>
         </p:nvSpPr>
         <p:spPr>
           <a:xfrm>
             <a:off x="504000" y="1768680"/>
-            <a:ext cx="9068760" cy="4380840"/>
+            <a:ext cx="9068040" cy="4380120"/>
           </a:xfrm>
           <a:prstGeom prst="rect">
             <a:avLst/>
@@ -10048,14 +11462,14 @@
       </p:sp>
       <p:sp>
         <p:nvSpPr>
-          <p:cNvPr id="173" name="CustomShape 3"/>
+          <p:cNvPr id="209" name="CustomShape 3"/>
           <p:cNvSpPr/>
           <p:nvPr/>
         </p:nvSpPr>
         <p:spPr>
           <a:xfrm>
             <a:off x="504000" y="357480"/>
-            <a:ext cx="9070920" cy="1096200"/>
+            <a:ext cx="9070200" cy="1095480"/>
           </a:xfrm>
           <a:prstGeom prst="rect">
             <a:avLst/>
@@ -10085,14 +11499,14 @@
       </p:sp>
       <p:sp>
         <p:nvSpPr>
-          <p:cNvPr id="174" name="CustomShape 4"/>
+          <p:cNvPr id="210" name="CustomShape 4"/>
           <p:cNvSpPr/>
           <p:nvPr/>
         </p:nvSpPr>
         <p:spPr>
           <a:xfrm>
             <a:off x="504000" y="1188720"/>
-            <a:ext cx="9070920" cy="5668200"/>
+            <a:ext cx="9070200" cy="5667480"/>
           </a:xfrm>
           <a:prstGeom prst="rect">
             <a:avLst/>
@@ -10117,14 +11531,14 @@
       </p:sp>
       <p:sp>
         <p:nvSpPr>
-          <p:cNvPr id="175" name="CustomShape 5"/>
+          <p:cNvPr id="211" name="CustomShape 5"/>
           <p:cNvSpPr/>
           <p:nvPr/>
         </p:nvSpPr>
         <p:spPr>
           <a:xfrm>
             <a:off x="731520" y="1737360"/>
-            <a:ext cx="8502840" cy="1187640"/>
+            <a:ext cx="8502120" cy="1186920"/>
           </a:xfrm>
           <a:prstGeom prst="rect">
             <a:avLst/>
@@ -10168,7 +11582,7 @@
       </p:sp>
       <p:pic>
         <p:nvPicPr>
-          <p:cNvPr id="176" name="" descr=""/>
+          <p:cNvPr id="212" name="" descr=""/>
           <p:cNvPicPr/>
           <p:nvPr/>
         </p:nvPicPr>
@@ -10181,7 +11595,7 @@
         <p:spPr>
           <a:xfrm>
             <a:off x="457200" y="3017520"/>
-            <a:ext cx="9117720" cy="3839400"/>
+            <a:ext cx="9117000" cy="3838680"/>
           </a:xfrm>
           <a:prstGeom prst="rect">
             <a:avLst/>
@@ -10242,14 +11656,14 @@
       </p:grpSpPr>
       <p:sp>
         <p:nvSpPr>
-          <p:cNvPr id="177" name="CustomShape 1"/>
+          <p:cNvPr id="213" name="CustomShape 1"/>
           <p:cNvSpPr/>
           <p:nvPr/>
         </p:nvSpPr>
         <p:spPr>
           <a:xfrm>
             <a:off x="504000" y="301320"/>
-            <a:ext cx="9067320" cy="1258560"/>
+            <a:ext cx="9066600" cy="1257840"/>
           </a:xfrm>
           <a:prstGeom prst="rect">
             <a:avLst/>
@@ -10262,14 +11676,14 @@
       </p:sp>
       <p:sp>
         <p:nvSpPr>
-          <p:cNvPr id="178" name="CustomShape 2"/>
+          <p:cNvPr id="214" name="CustomShape 2"/>
           <p:cNvSpPr/>
           <p:nvPr/>
         </p:nvSpPr>
         <p:spPr>
           <a:xfrm>
             <a:off x="504000" y="1768680"/>
-            <a:ext cx="9068760" cy="4380840"/>
+            <a:ext cx="9068040" cy="4380120"/>
           </a:xfrm>
           <a:prstGeom prst="rect">
             <a:avLst/>
@@ -10282,14 +11696,14 @@
       </p:sp>
       <p:sp>
         <p:nvSpPr>
-          <p:cNvPr id="179" name="CustomShape 3"/>
+          <p:cNvPr id="215" name="CustomShape 3"/>
           <p:cNvSpPr/>
           <p:nvPr/>
         </p:nvSpPr>
         <p:spPr>
           <a:xfrm>
             <a:off x="504000" y="357480"/>
-            <a:ext cx="9070920" cy="1096200"/>
+            <a:ext cx="9070200" cy="1095480"/>
           </a:xfrm>
           <a:prstGeom prst="rect">
             <a:avLst/>
@@ -10319,14 +11733,14 @@
       </p:sp>
       <p:sp>
         <p:nvSpPr>
-          <p:cNvPr id="180" name="CustomShape 4"/>
+          <p:cNvPr id="216" name="CustomShape 4"/>
           <p:cNvSpPr/>
           <p:nvPr/>
         </p:nvSpPr>
         <p:spPr>
           <a:xfrm>
             <a:off x="504000" y="1188720"/>
-            <a:ext cx="9070920" cy="5668200"/>
+            <a:ext cx="9070200" cy="5667480"/>
           </a:xfrm>
           <a:prstGeom prst="rect">
             <a:avLst/>
@@ -10351,14 +11765,14 @@
       </p:sp>
       <p:sp>
         <p:nvSpPr>
-          <p:cNvPr id="181" name="CustomShape 5"/>
+          <p:cNvPr id="217" name="CustomShape 5"/>
           <p:cNvSpPr/>
           <p:nvPr/>
         </p:nvSpPr>
         <p:spPr>
           <a:xfrm>
             <a:off x="731520" y="1737360"/>
-            <a:ext cx="8502840" cy="1187640"/>
+            <a:ext cx="8502120" cy="1186920"/>
           </a:xfrm>
           <a:prstGeom prst="rect">
             <a:avLst/>
@@ -10390,18 +11804,22 @@
       </p:sp>
       <p:sp>
         <p:nvSpPr>
-          <p:cNvPr id="182" name="TextShape 6"/>
-          <p:cNvSpPr txBox="1"/>
+          <p:cNvPr id="218" name="CustomShape 6"/>
+          <p:cNvSpPr/>
           <p:nvPr/>
         </p:nvSpPr>
         <p:spPr>
           <a:xfrm>
             <a:off x="731520" y="1554480"/>
-            <a:ext cx="8869680" cy="5394960"/>
-          </a:xfrm>
-          <a:prstGeom prst="rect">
-            <a:avLst/>
-          </a:prstGeom>
+            <a:ext cx="8868960" cy="5394240"/>
+          </a:xfrm>
+          <a:prstGeom prst="rect">
+            <a:avLst/>
+          </a:prstGeom>
+          <a:noFill/>
+          <a:ln>
+            <a:noFill/>
+          </a:ln>
         </p:spPr>
         <p:txBody>
           <a:bodyPr lIns="90000" rIns="90000" tIns="45000" bIns="45000"/>
@@ -11415,4 +12833,227 @@
     </a:fmtScheme>
   </a:themeElements>
 </a:theme>
+</file>
+
+<file path=ppt/theme/theme5.xml><?xml version="1.0" encoding="utf-8"?>
+<a:theme xmlns:a="http://schemas.openxmlformats.org/drawingml/2006/main" name="Office Theme">
+  <a:themeElements>
+    <a:clrScheme name="Office">
+      <a:dk1>
+        <a:sysClr val="windowText" lastClr="000000"/>
+      </a:dk1>
+      <a:lt1>
+        <a:sysClr val="window" lastClr="FFFFFF"/>
+      </a:lt1>
+      <a:dk2>
+        <a:srgbClr val="1F497D"/>
+      </a:dk2>
+      <a:lt2>
+        <a:srgbClr val="EEECE1"/>
+      </a:lt2>
+      <a:accent1>
+        <a:srgbClr val="4F81BD"/>
+      </a:accent1>
+      <a:accent2>
+        <a:srgbClr val="C0504D"/>
+      </a:accent2>
+      <a:accent3>
+        <a:srgbClr val="9BBB59"/>
+      </a:accent3>
+      <a:accent4>
+        <a:srgbClr val="8064A2"/>
+      </a:accent4>
+      <a:accent5>
+        <a:srgbClr val="4BACC6"/>
+      </a:accent5>
+      <a:accent6>
+        <a:srgbClr val="F79646"/>
+      </a:accent6>
+      <a:hlink>
+        <a:srgbClr val="0000FF"/>
+      </a:hlink>
+      <a:folHlink>
+        <a:srgbClr val="800080"/>
+      </a:folHlink>
+    </a:clrScheme>
+    <a:fontScheme name="Office">
+      <a:majorFont>
+        <a:latin typeface="Arial"/>
+        <a:ea typeface="DejaVu Sans"/>
+        <a:cs typeface="DejaVu Sans"/>
+      </a:majorFont>
+      <a:minorFont>
+        <a:latin typeface="Arial"/>
+        <a:ea typeface="DejaVu Sans"/>
+        <a:cs typeface="DejaVu Sans"/>
+      </a:minorFont>
+    </a:fontScheme>
+    <a:fmtScheme name="Office">
+      <a:fillStyleLst>
+        <a:solidFill>
+          <a:schemeClr val="phClr"/>
+        </a:solidFill>
+        <a:gradFill rotWithShape="1">
+          <a:gsLst>
+            <a:gs pos="0">
+              <a:schemeClr val="phClr">
+                <a:tint val="50000"/>
+                <a:satMod val="300000"/>
+              </a:schemeClr>
+            </a:gs>
+            <a:gs pos="35000">
+              <a:schemeClr val="phClr">
+                <a:tint val="37000"/>
+                <a:satMod val="300000"/>
+              </a:schemeClr>
+            </a:gs>
+            <a:gs pos="100000">
+              <a:schemeClr val="phClr">
+                <a:tint val="15000"/>
+                <a:satMod val="350000"/>
+              </a:schemeClr>
+            </a:gs>
+          </a:gsLst>
+          <a:lin ang="16200000" scaled="1"/>
+        </a:gradFill>
+        <a:gradFill rotWithShape="1">
+          <a:gsLst>
+            <a:gs pos="0">
+              <a:schemeClr val="phClr">
+                <a:shade val="51000"/>
+                <a:satMod val="130000"/>
+              </a:schemeClr>
+            </a:gs>
+            <a:gs pos="80000">
+              <a:schemeClr val="phClr">
+                <a:shade val="93000"/>
+                <a:satMod val="130000"/>
+              </a:schemeClr>
+            </a:gs>
+            <a:gs pos="100000">
+              <a:schemeClr val="phClr">
+                <a:shade val="94000"/>
+                <a:satMod val="135000"/>
+              </a:schemeClr>
+            </a:gs>
+          </a:gsLst>
+          <a:lin ang="16200000" scaled="0"/>
+        </a:gradFill>
+      </a:fillStyleLst>
+      <a:lnStyleLst>
+        <a:ln w="9525" cap="flat" cmpd="sng" algn="ctr">
+          <a:solidFill>
+            <a:schemeClr val="phClr">
+              <a:shade val="95000"/>
+              <a:satMod val="105000"/>
+            </a:schemeClr>
+          </a:solidFill>
+          <a:prstDash val="solid"/>
+        </a:ln>
+        <a:ln w="25400" cap="flat" cmpd="sng" algn="ctr">
+          <a:solidFill>
+            <a:schemeClr val="phClr"/>
+          </a:solidFill>
+          <a:prstDash val="solid"/>
+        </a:ln>
+        <a:ln w="38100" cap="flat" cmpd="sng" algn="ctr">
+          <a:solidFill>
+            <a:schemeClr val="phClr"/>
+          </a:solidFill>
+          <a:prstDash val="solid"/>
+        </a:ln>
+      </a:lnStyleLst>
+      <a:effectStyleLst>
+        <a:effectStyle>
+          <a:effectLst>
+            <a:outerShdw blurRad="40000" dist="20000" dir="5400000" rotWithShape="0">
+              <a:srgbClr val="000000">
+                <a:alpha val="38000"/>
+              </a:srgbClr>
+            </a:outerShdw>
+          </a:effectLst>
+        </a:effectStyle>
+        <a:effectStyle>
+          <a:effectLst>
+            <a:outerShdw blurRad="40000" dist="23000" dir="5400000" rotWithShape="0">
+              <a:srgbClr val="000000">
+                <a:alpha val="35000"/>
+              </a:srgbClr>
+            </a:outerShdw>
+          </a:effectLst>
+        </a:effectStyle>
+        <a:effectStyle>
+          <a:effectLst>
+            <a:outerShdw blurRad="40000" dist="23000" dir="5400000" rotWithShape="0">
+              <a:srgbClr val="000000">
+                <a:alpha val="35000"/>
+              </a:srgbClr>
+            </a:outerShdw>
+          </a:effectLst>
+          <a:scene3d>
+            <a:camera prst="orthographicFront">
+              <a:rot lat="0" lon="0" rev="0"/>
+            </a:camera>
+            <a:lightRig rig="threePt" dir="t">
+              <a:rot lat="0" lon="0" rev="1200000"/>
+            </a:lightRig>
+          </a:scene3d>
+          <a:sp3d>
+            <a:bevelT w="63500" h="25400"/>
+          </a:sp3d>
+        </a:effectStyle>
+      </a:effectStyleLst>
+      <a:bgFillStyleLst>
+        <a:solidFill>
+          <a:schemeClr val="phClr"/>
+        </a:solidFill>
+        <a:gradFill rotWithShape="1">
+          <a:gsLst>
+            <a:gs pos="0">
+              <a:schemeClr val="phClr">
+                <a:tint val="40000"/>
+                <a:satMod val="350000"/>
+              </a:schemeClr>
+            </a:gs>
+            <a:gs pos="40000">
+              <a:schemeClr val="phClr">
+                <a:tint val="45000"/>
+                <a:shade val="99000"/>
+                <a:satMod val="350000"/>
+              </a:schemeClr>
+            </a:gs>
+            <a:gs pos="100000">
+              <a:schemeClr val="phClr">
+                <a:shade val="20000"/>
+                <a:satMod val="255000"/>
+              </a:schemeClr>
+            </a:gs>
+          </a:gsLst>
+          <a:path path="circle">
+            <a:fillToRect l="50000" t="-80000" r="50000" b="180000"/>
+          </a:path>
+        </a:gradFill>
+        <a:gradFill rotWithShape="1">
+          <a:gsLst>
+            <a:gs pos="0">
+              <a:schemeClr val="phClr">
+                <a:tint val="80000"/>
+                <a:satMod val="300000"/>
+              </a:schemeClr>
+            </a:gs>
+            <a:gs pos="100000">
+              <a:schemeClr val="phClr">
+                <a:shade val="30000"/>
+                <a:satMod val="200000"/>
+              </a:schemeClr>
+            </a:gs>
+          </a:gsLst>
+          <a:path path="circle">
+            <a:fillToRect l="50000" t="50000" r="50000" b="50000"/>
+          </a:path>
+        </a:gradFill>
+      </a:bgFillStyleLst>
+    </a:fmtScheme>
+  </a:themeElements>
+</a:theme>
 </file>
--- a/doc/algo_trading.pptx
+++ b/doc/algo_trading.pptx
@@ -87,7 +87,7 @@
         <p:spPr>
           <a:xfrm>
             <a:off x="504000" y="301320"/>
-            <a:ext cx="9070560" cy="1262160"/>
+            <a:ext cx="9070200" cy="1262160"/>
           </a:xfrm>
           <a:prstGeom prst="rect">
             <a:avLst/>
@@ -188,7 +188,7 @@
         <p:spPr>
           <a:xfrm>
             <a:off x="504000" y="301320"/>
-            <a:ext cx="9070560" cy="1262160"/>
+            <a:ext cx="9070200" cy="1262160"/>
           </a:xfrm>
           <a:prstGeom prst="rect">
             <a:avLst/>
@@ -341,7 +341,7 @@
         <p:spPr>
           <a:xfrm>
             <a:off x="504000" y="301320"/>
-            <a:ext cx="9070560" cy="1262160"/>
+            <a:ext cx="9070200" cy="1262160"/>
           </a:xfrm>
           <a:prstGeom prst="rect">
             <a:avLst/>
@@ -514,7 +514,7 @@
         <p:spPr>
           <a:xfrm>
             <a:off x="504000" y="301320"/>
-            <a:ext cx="9070560" cy="1262160"/>
+            <a:ext cx="9070200" cy="1262160"/>
           </a:xfrm>
           <a:prstGeom prst="rect">
             <a:avLst/>
@@ -590,7 +590,7 @@
         <p:spPr>
           <a:xfrm>
             <a:off x="504000" y="301320"/>
-            <a:ext cx="9070560" cy="1262160"/>
+            <a:ext cx="9070200" cy="1262160"/>
           </a:xfrm>
           <a:prstGeom prst="rect">
             <a:avLst/>
@@ -665,7 +665,7 @@
         <p:spPr>
           <a:xfrm>
             <a:off x="504000" y="301320"/>
-            <a:ext cx="9070560" cy="1262160"/>
+            <a:ext cx="9070200" cy="1262160"/>
           </a:xfrm>
           <a:prstGeom prst="rect">
             <a:avLst/>
@@ -766,7 +766,7 @@
         <p:spPr>
           <a:xfrm>
             <a:off x="504000" y="301320"/>
-            <a:ext cx="9070560" cy="1262160"/>
+            <a:ext cx="9070200" cy="1262160"/>
           </a:xfrm>
           <a:prstGeom prst="rect">
             <a:avLst/>
@@ -815,7 +815,7 @@
         <p:spPr>
           <a:xfrm>
             <a:off x="504000" y="301320"/>
-            <a:ext cx="9070560" cy="5850720"/>
+            <a:ext cx="9070200" cy="5850720"/>
           </a:xfrm>
           <a:prstGeom prst="rect">
             <a:avLst/>
@@ -864,7 +864,7 @@
         <p:spPr>
           <a:xfrm>
             <a:off x="504000" y="301320"/>
-            <a:ext cx="9070560" cy="1262160"/>
+            <a:ext cx="9070200" cy="1262160"/>
           </a:xfrm>
           <a:prstGeom prst="rect">
             <a:avLst/>
@@ -991,7 +991,7 @@
         <p:spPr>
           <a:xfrm>
             <a:off x="504000" y="301320"/>
-            <a:ext cx="9070560" cy="1262160"/>
+            <a:ext cx="9070200" cy="1262160"/>
           </a:xfrm>
           <a:prstGeom prst="rect">
             <a:avLst/>
@@ -1067,7 +1067,7 @@
         <p:spPr>
           <a:xfrm>
             <a:off x="504000" y="301320"/>
-            <a:ext cx="9070560" cy="1262160"/>
+            <a:ext cx="9070200" cy="1262160"/>
           </a:xfrm>
           <a:prstGeom prst="rect">
             <a:avLst/>
@@ -1194,7 +1194,7 @@
         <p:spPr>
           <a:xfrm>
             <a:off x="504000" y="301320"/>
-            <a:ext cx="9070560" cy="1262160"/>
+            <a:ext cx="9070200" cy="1262160"/>
           </a:xfrm>
           <a:prstGeom prst="rect">
             <a:avLst/>
@@ -1321,7 +1321,7 @@
         <p:spPr>
           <a:xfrm>
             <a:off x="504000" y="301320"/>
-            <a:ext cx="9070560" cy="1262160"/>
+            <a:ext cx="9070200" cy="1262160"/>
           </a:xfrm>
           <a:prstGeom prst="rect">
             <a:avLst/>
@@ -1422,7 +1422,7 @@
         <p:spPr>
           <a:xfrm>
             <a:off x="504000" y="301320"/>
-            <a:ext cx="9070560" cy="1262160"/>
+            <a:ext cx="9070200" cy="1262160"/>
           </a:xfrm>
           <a:prstGeom prst="rect">
             <a:avLst/>
@@ -1575,7 +1575,7 @@
         <p:spPr>
           <a:xfrm>
             <a:off x="504000" y="301320"/>
-            <a:ext cx="9070560" cy="1262160"/>
+            <a:ext cx="9070200" cy="1262160"/>
           </a:xfrm>
           <a:prstGeom prst="rect">
             <a:avLst/>
@@ -1748,7 +1748,7 @@
         <p:spPr>
           <a:xfrm>
             <a:off x="504000" y="301320"/>
-            <a:ext cx="9070560" cy="1262160"/>
+            <a:ext cx="9070200" cy="1262160"/>
           </a:xfrm>
           <a:prstGeom prst="rect">
             <a:avLst/>
@@ -1824,7 +1824,7 @@
         <p:spPr>
           <a:xfrm>
             <a:off x="504000" y="301320"/>
-            <a:ext cx="9070560" cy="1262160"/>
+            <a:ext cx="9070200" cy="1262160"/>
           </a:xfrm>
           <a:prstGeom prst="rect">
             <a:avLst/>
@@ -1899,7 +1899,7 @@
         <p:spPr>
           <a:xfrm>
             <a:off x="504000" y="301320"/>
-            <a:ext cx="9070560" cy="1262160"/>
+            <a:ext cx="9070200" cy="1262160"/>
           </a:xfrm>
           <a:prstGeom prst="rect">
             <a:avLst/>
@@ -2000,7 +2000,7 @@
         <p:spPr>
           <a:xfrm>
             <a:off x="504000" y="301320"/>
-            <a:ext cx="9070560" cy="1262160"/>
+            <a:ext cx="9070200" cy="1262160"/>
           </a:xfrm>
           <a:prstGeom prst="rect">
             <a:avLst/>
@@ -2049,7 +2049,7 @@
         <p:spPr>
           <a:xfrm>
             <a:off x="504000" y="301320"/>
-            <a:ext cx="9070560" cy="1262160"/>
+            <a:ext cx="9070200" cy="1262160"/>
           </a:xfrm>
           <a:prstGeom prst="rect">
             <a:avLst/>
@@ -2124,7 +2124,7 @@
         <p:spPr>
           <a:xfrm>
             <a:off x="504000" y="301320"/>
-            <a:ext cx="9070560" cy="5850720"/>
+            <a:ext cx="9070200" cy="5850720"/>
           </a:xfrm>
           <a:prstGeom prst="rect">
             <a:avLst/>
@@ -2173,7 +2173,7 @@
         <p:spPr>
           <a:xfrm>
             <a:off x="504000" y="301320"/>
-            <a:ext cx="9070560" cy="1262160"/>
+            <a:ext cx="9070200" cy="1262160"/>
           </a:xfrm>
           <a:prstGeom prst="rect">
             <a:avLst/>
@@ -2300,7 +2300,7 @@
         <p:spPr>
           <a:xfrm>
             <a:off x="504000" y="301320"/>
-            <a:ext cx="9070560" cy="1262160"/>
+            <a:ext cx="9070200" cy="1262160"/>
           </a:xfrm>
           <a:prstGeom prst="rect">
             <a:avLst/>
@@ -2427,7 +2427,7 @@
         <p:spPr>
           <a:xfrm>
             <a:off x="504000" y="301320"/>
-            <a:ext cx="9070560" cy="1262160"/>
+            <a:ext cx="9070200" cy="1262160"/>
           </a:xfrm>
           <a:prstGeom prst="rect">
             <a:avLst/>
@@ -2554,7 +2554,7 @@
         <p:spPr>
           <a:xfrm>
             <a:off x="504000" y="301320"/>
-            <a:ext cx="9070560" cy="1262160"/>
+            <a:ext cx="9070200" cy="1262160"/>
           </a:xfrm>
           <a:prstGeom prst="rect">
             <a:avLst/>
@@ -2655,7 +2655,7 @@
         <p:spPr>
           <a:xfrm>
             <a:off x="504000" y="301320"/>
-            <a:ext cx="9070560" cy="1262160"/>
+            <a:ext cx="9070200" cy="1262160"/>
           </a:xfrm>
           <a:prstGeom prst="rect">
             <a:avLst/>
@@ -2808,7 +2808,7 @@
         <p:spPr>
           <a:xfrm>
             <a:off x="504000" y="301320"/>
-            <a:ext cx="9070560" cy="1262160"/>
+            <a:ext cx="9070200" cy="1262160"/>
           </a:xfrm>
           <a:prstGeom prst="rect">
             <a:avLst/>
@@ -2981,7 +2981,7 @@
         <p:spPr>
           <a:xfrm>
             <a:off x="504000" y="301320"/>
-            <a:ext cx="9070560" cy="1262160"/>
+            <a:ext cx="9070200" cy="1262160"/>
           </a:xfrm>
           <a:prstGeom prst="rect">
             <a:avLst/>
@@ -3057,7 +3057,7 @@
         <p:spPr>
           <a:xfrm>
             <a:off x="504000" y="301320"/>
-            <a:ext cx="9070560" cy="1262160"/>
+            <a:ext cx="9070200" cy="1262160"/>
           </a:xfrm>
           <a:prstGeom prst="rect">
             <a:avLst/>
@@ -3132,7 +3132,7 @@
         <p:spPr>
           <a:xfrm>
             <a:off x="504000" y="301320"/>
-            <a:ext cx="9070560" cy="1262160"/>
+            <a:ext cx="9070200" cy="1262160"/>
           </a:xfrm>
           <a:prstGeom prst="rect">
             <a:avLst/>
@@ -3233,7 +3233,7 @@
         <p:spPr>
           <a:xfrm>
             <a:off x="504000" y="301320"/>
-            <a:ext cx="9070560" cy="1262160"/>
+            <a:ext cx="9070200" cy="1262160"/>
           </a:xfrm>
           <a:prstGeom prst="rect">
             <a:avLst/>
@@ -3334,7 +3334,7 @@
         <p:spPr>
           <a:xfrm>
             <a:off x="504000" y="301320"/>
-            <a:ext cx="9070560" cy="1262160"/>
+            <a:ext cx="9070200" cy="1262160"/>
           </a:xfrm>
           <a:prstGeom prst="rect">
             <a:avLst/>
@@ -3383,7 +3383,7 @@
         <p:spPr>
           <a:xfrm>
             <a:off x="504000" y="301320"/>
-            <a:ext cx="9070560" cy="5850720"/>
+            <a:ext cx="9070200" cy="5850720"/>
           </a:xfrm>
           <a:prstGeom prst="rect">
             <a:avLst/>
@@ -3432,7 +3432,7 @@
         <p:spPr>
           <a:xfrm>
             <a:off x="504000" y="301320"/>
-            <a:ext cx="9070560" cy="1262160"/>
+            <a:ext cx="9070200" cy="1262160"/>
           </a:xfrm>
           <a:prstGeom prst="rect">
             <a:avLst/>
@@ -3559,7 +3559,7 @@
         <p:spPr>
           <a:xfrm>
             <a:off x="504000" y="301320"/>
-            <a:ext cx="9070560" cy="1262160"/>
+            <a:ext cx="9070200" cy="1262160"/>
           </a:xfrm>
           <a:prstGeom prst="rect">
             <a:avLst/>
@@ -3686,7 +3686,7 @@
         <p:spPr>
           <a:xfrm>
             <a:off x="504000" y="301320"/>
-            <a:ext cx="9070560" cy="1262160"/>
+            <a:ext cx="9070200" cy="1262160"/>
           </a:xfrm>
           <a:prstGeom prst="rect">
             <a:avLst/>
@@ -3813,7 +3813,7 @@
         <p:spPr>
           <a:xfrm>
             <a:off x="504000" y="301320"/>
-            <a:ext cx="9070560" cy="1262160"/>
+            <a:ext cx="9070200" cy="1262160"/>
           </a:xfrm>
           <a:prstGeom prst="rect">
             <a:avLst/>
@@ -3914,7 +3914,7 @@
         <p:spPr>
           <a:xfrm>
             <a:off x="504000" y="301320"/>
-            <a:ext cx="9070560" cy="1262160"/>
+            <a:ext cx="9070200" cy="1262160"/>
           </a:xfrm>
           <a:prstGeom prst="rect">
             <a:avLst/>
@@ -4067,7 +4067,7 @@
         <p:spPr>
           <a:xfrm>
             <a:off x="504000" y="301320"/>
-            <a:ext cx="9070560" cy="1262160"/>
+            <a:ext cx="9070200" cy="1262160"/>
           </a:xfrm>
           <a:prstGeom prst="rect">
             <a:avLst/>
@@ -4240,7 +4240,7 @@
         <p:spPr>
           <a:xfrm>
             <a:off x="504000" y="301320"/>
-            <a:ext cx="9070560" cy="1262160"/>
+            <a:ext cx="9070200" cy="1262160"/>
           </a:xfrm>
           <a:prstGeom prst="rect">
             <a:avLst/>
@@ -4289,7 +4289,7 @@
         <p:spPr>
           <a:xfrm>
             <a:off x="504000" y="301320"/>
-            <a:ext cx="9070560" cy="1262160"/>
+            <a:ext cx="9070200" cy="1262160"/>
           </a:xfrm>
           <a:prstGeom prst="rect">
             <a:avLst/>
@@ -4365,7 +4365,7 @@
         <p:spPr>
           <a:xfrm>
             <a:off x="504000" y="301320"/>
-            <a:ext cx="9070560" cy="1262160"/>
+            <a:ext cx="9070200" cy="1262160"/>
           </a:xfrm>
           <a:prstGeom prst="rect">
             <a:avLst/>
@@ -4440,7 +4440,7 @@
         <p:spPr>
           <a:xfrm>
             <a:off x="504000" y="301320"/>
-            <a:ext cx="9070560" cy="1262160"/>
+            <a:ext cx="9070200" cy="1262160"/>
           </a:xfrm>
           <a:prstGeom prst="rect">
             <a:avLst/>
@@ -4541,7 +4541,7 @@
         <p:spPr>
           <a:xfrm>
             <a:off x="504000" y="301320"/>
-            <a:ext cx="9070560" cy="1262160"/>
+            <a:ext cx="9070200" cy="1262160"/>
           </a:xfrm>
           <a:prstGeom prst="rect">
             <a:avLst/>
@@ -4590,7 +4590,7 @@
         <p:spPr>
           <a:xfrm>
             <a:off x="504000" y="301320"/>
-            <a:ext cx="9070560" cy="5850720"/>
+            <a:ext cx="9070200" cy="5850720"/>
           </a:xfrm>
           <a:prstGeom prst="rect">
             <a:avLst/>
@@ -4639,7 +4639,7 @@
         <p:spPr>
           <a:xfrm>
             <a:off x="504000" y="301320"/>
-            <a:ext cx="9070560" cy="1262160"/>
+            <a:ext cx="9070200" cy="1262160"/>
           </a:xfrm>
           <a:prstGeom prst="rect">
             <a:avLst/>
@@ -4766,7 +4766,7 @@
         <p:spPr>
           <a:xfrm>
             <a:off x="504000" y="301320"/>
-            <a:ext cx="9070560" cy="1262160"/>
+            <a:ext cx="9070200" cy="1262160"/>
           </a:xfrm>
           <a:prstGeom prst="rect">
             <a:avLst/>
@@ -4893,7 +4893,7 @@
         <p:spPr>
           <a:xfrm>
             <a:off x="504000" y="301320"/>
-            <a:ext cx="9070560" cy="1262160"/>
+            <a:ext cx="9070200" cy="1262160"/>
           </a:xfrm>
           <a:prstGeom prst="rect">
             <a:avLst/>
@@ -5020,7 +5020,7 @@
         <p:spPr>
           <a:xfrm>
             <a:off x="504000" y="301320"/>
-            <a:ext cx="9070560" cy="1262160"/>
+            <a:ext cx="9070200" cy="1262160"/>
           </a:xfrm>
           <a:prstGeom prst="rect">
             <a:avLst/>
@@ -5121,7 +5121,7 @@
         <p:spPr>
           <a:xfrm>
             <a:off x="504000" y="301320"/>
-            <a:ext cx="9070560" cy="1262160"/>
+            <a:ext cx="9070200" cy="1262160"/>
           </a:xfrm>
           <a:prstGeom prst="rect">
             <a:avLst/>
@@ -5274,7 +5274,7 @@
         <p:spPr>
           <a:xfrm>
             <a:off x="504000" y="301320"/>
-            <a:ext cx="9070560" cy="5850720"/>
+            <a:ext cx="9070200" cy="5850720"/>
           </a:xfrm>
           <a:prstGeom prst="rect">
             <a:avLst/>
@@ -5323,7 +5323,7 @@
         <p:spPr>
           <a:xfrm>
             <a:off x="504000" y="301320"/>
-            <a:ext cx="9070560" cy="1262160"/>
+            <a:ext cx="9070200" cy="1262160"/>
           </a:xfrm>
           <a:prstGeom prst="rect">
             <a:avLst/>
@@ -5474,7 +5474,7 @@
         <p:spPr>
           <a:xfrm>
             <a:off x="504000" y="301320"/>
-            <a:ext cx="9070560" cy="1262160"/>
+            <a:ext cx="9070200" cy="1262160"/>
           </a:xfrm>
           <a:prstGeom prst="rect">
             <a:avLst/>
@@ -5601,7 +5601,7 @@
         <p:spPr>
           <a:xfrm>
             <a:off x="504000" y="301320"/>
-            <a:ext cx="9070560" cy="1262160"/>
+            <a:ext cx="9070200" cy="1262160"/>
           </a:xfrm>
           <a:prstGeom prst="rect">
             <a:avLst/>
@@ -5728,7 +5728,7 @@
         <p:spPr>
           <a:xfrm>
             <a:off x="504000" y="301320"/>
-            <a:ext cx="9070560" cy="1262160"/>
+            <a:ext cx="9070200" cy="1262160"/>
           </a:xfrm>
           <a:prstGeom prst="rect">
             <a:avLst/>
@@ -6428,7 +6428,7 @@
         <p:spPr>
           <a:xfrm>
             <a:off x="504000" y="301320"/>
-            <a:ext cx="9070560" cy="1261800"/>
+            <a:ext cx="9072000" cy="1261800"/>
           </a:xfrm>
           <a:prstGeom prst="rect">
             <a:avLst/>
@@ -6437,8 +6437,9 @@
         <p:txBody>
           <a:bodyPr lIns="0" rIns="0" tIns="0" bIns="0" anchor="ctr"/>
           <a:p>
-            <a:r>
-              <a:rPr lang="en-US">
+            <a:pPr algn="ctr"/>
+            <a:r>
+              <a:rPr lang="en-US" sz="4400">
                 <a:latin typeface="Arial"/>
               </a:rPr>
               <a:t>Click to edit the title text format</a:t>
@@ -6460,7 +6461,7 @@
         <p:spPr>
           <a:xfrm>
             <a:off x="504000" y="1768680"/>
-            <a:ext cx="9071640" cy="4383720"/>
+            <a:ext cx="9072000" cy="4384080"/>
           </a:xfrm>
           <a:prstGeom prst="rect">
             <a:avLst/>
@@ -6475,7 +6476,7 @@
               <a:buChar char=""/>
             </a:pPr>
             <a:r>
-              <a:rPr lang="en-US">
+              <a:rPr lang="en-US" sz="3200">
                 <a:latin typeface="Arial"/>
               </a:rPr>
               <a:t>Click to edit the outline text format</a:t>
@@ -6489,7 +6490,7 @@
               <a:buChar char=""/>
             </a:pPr>
             <a:r>
-              <a:rPr lang="en-US">
+              <a:rPr lang="en-US" sz="2800">
                 <a:latin typeface="Arial"/>
               </a:rPr>
               <a:t>Second Outline Level</a:t>
@@ -6503,7 +6504,7 @@
               <a:buChar char=""/>
             </a:pPr>
             <a:r>
-              <a:rPr lang="en-US">
+              <a:rPr lang="en-US" sz="2400">
                 <a:latin typeface="Arial"/>
               </a:rPr>
               <a:t>Third Outline Level</a:t>
@@ -6517,7 +6518,7 @@
               <a:buChar char=""/>
             </a:pPr>
             <a:r>
-              <a:rPr lang="en-US">
+              <a:rPr lang="en-US" sz="2000">
                 <a:latin typeface="Arial"/>
               </a:rPr>
               <a:t>Fourth Outline Level</a:t>
@@ -6531,7 +6532,7 @@
               <a:buChar char=""/>
             </a:pPr>
             <a:r>
-              <a:rPr lang="en-US">
+              <a:rPr lang="en-US" sz="2000">
                 <a:latin typeface="Arial"/>
               </a:rPr>
               <a:t>Fifth Outline Level</a:t>
@@ -6545,7 +6546,7 @@
               <a:buChar char=""/>
             </a:pPr>
             <a:r>
-              <a:rPr lang="en-US">
+              <a:rPr lang="en-US" sz="2000">
                 <a:latin typeface="Arial"/>
               </a:rPr>
               <a:t>Sixth Outline Level</a:t>
@@ -6559,7 +6560,7 @@
               <a:buChar char=""/>
             </a:pPr>
             <a:r>
-              <a:rPr lang="en-US">
+              <a:rPr lang="en-US" sz="2000">
                 <a:latin typeface="Arial"/>
               </a:rPr>
               <a:t>Seventh Outline Level</a:t>
@@ -6618,7 +6619,7 @@
         <p:spPr>
           <a:xfrm>
             <a:off x="504000" y="301320"/>
-            <a:ext cx="9070560" cy="1261800"/>
+            <a:ext cx="9070200" cy="1261800"/>
           </a:xfrm>
           <a:prstGeom prst="rect">
             <a:avLst/>
@@ -6804,7 +6805,7 @@
         <p:spPr>
           <a:xfrm>
             <a:off x="504000" y="301320"/>
-            <a:ext cx="9066600" cy="1257480"/>
+            <a:ext cx="9066240" cy="1257120"/>
           </a:xfrm>
           <a:prstGeom prst="rect">
             <a:avLst/>
@@ -6824,7 +6825,7 @@
         <p:spPr>
           <a:xfrm>
             <a:off x="504000" y="1768680"/>
-            <a:ext cx="9066960" cy="4379040"/>
+            <a:ext cx="9066600" cy="4378680"/>
           </a:xfrm>
           <a:prstGeom prst="rect">
             <a:avLst/>
@@ -6844,7 +6845,7 @@
         <p:spPr>
           <a:xfrm>
             <a:off x="914400" y="914400"/>
-            <a:ext cx="8225640" cy="5482440"/>
+            <a:ext cx="8225280" cy="5482080"/>
           </a:xfrm>
           <a:prstGeom prst="rect">
             <a:avLst/>
@@ -6982,7 +6983,7 @@
         <p:spPr>
           <a:xfrm>
             <a:off x="504000" y="301320"/>
-            <a:ext cx="9066600" cy="1257840"/>
+            <a:ext cx="9066240" cy="1257480"/>
           </a:xfrm>
           <a:prstGeom prst="rect">
             <a:avLst/>
@@ -7002,7 +7003,7 @@
         <p:spPr>
           <a:xfrm>
             <a:off x="504000" y="1768680"/>
-            <a:ext cx="9068040" cy="4380120"/>
+            <a:ext cx="9067680" cy="4379760"/>
           </a:xfrm>
           <a:prstGeom prst="rect">
             <a:avLst/>
@@ -7022,7 +7023,7 @@
         <p:spPr>
           <a:xfrm>
             <a:off x="504000" y="357480"/>
-            <a:ext cx="9070200" cy="1095480"/>
+            <a:ext cx="9069840" cy="1095120"/>
           </a:xfrm>
           <a:prstGeom prst="rect">
             <a:avLst/>
@@ -7059,7 +7060,7 @@
         <p:spPr>
           <a:xfrm>
             <a:off x="504000" y="1188720"/>
-            <a:ext cx="9070200" cy="5667480"/>
+            <a:ext cx="9069840" cy="5667120"/>
           </a:xfrm>
           <a:prstGeom prst="rect">
             <a:avLst/>
@@ -7091,7 +7092,7 @@
         <p:spPr>
           <a:xfrm>
             <a:off x="731520" y="1737360"/>
-            <a:ext cx="8502120" cy="1186920"/>
+            <a:ext cx="8501760" cy="1186560"/>
           </a:xfrm>
           <a:prstGeom prst="rect">
             <a:avLst/>
@@ -7136,7 +7137,7 @@
         <p:spPr>
           <a:xfrm>
             <a:off x="2194560" y="1531080"/>
-            <a:ext cx="5417640" cy="5417640"/>
+            <a:ext cx="5417280" cy="5417280"/>
           </a:xfrm>
           <a:prstGeom prst="rect">
             <a:avLst/>
@@ -7204,7 +7205,7 @@
         <p:spPr>
           <a:xfrm>
             <a:off x="504000" y="301320"/>
-            <a:ext cx="9066600" cy="1257840"/>
+            <a:ext cx="9066240" cy="1257480"/>
           </a:xfrm>
           <a:prstGeom prst="rect">
             <a:avLst/>
@@ -7224,7 +7225,7 @@
         <p:spPr>
           <a:xfrm>
             <a:off x="504000" y="1768680"/>
-            <a:ext cx="9068040" cy="4380120"/>
+            <a:ext cx="9067680" cy="4379760"/>
           </a:xfrm>
           <a:prstGeom prst="rect">
             <a:avLst/>
@@ -7244,7 +7245,7 @@
         <p:spPr>
           <a:xfrm>
             <a:off x="504000" y="357480"/>
-            <a:ext cx="9070200" cy="1095480"/>
+            <a:ext cx="9069840" cy="1095120"/>
           </a:xfrm>
           <a:prstGeom prst="rect">
             <a:avLst/>
@@ -7281,7 +7282,7 @@
         <p:spPr>
           <a:xfrm>
             <a:off x="504000" y="1188720"/>
-            <a:ext cx="9070200" cy="5667480"/>
+            <a:ext cx="9069840" cy="5667120"/>
           </a:xfrm>
           <a:prstGeom prst="rect">
             <a:avLst/>
@@ -7313,7 +7314,7 @@
         <p:spPr>
           <a:xfrm>
             <a:off x="731520" y="1737360"/>
-            <a:ext cx="8502120" cy="1186920"/>
+            <a:ext cx="8501760" cy="1186560"/>
           </a:xfrm>
           <a:prstGeom prst="rect">
             <a:avLst/>
@@ -7352,7 +7353,7 @@
         <p:spPr>
           <a:xfrm>
             <a:off x="731520" y="1371600"/>
-            <a:ext cx="8868960" cy="5922000"/>
+            <a:ext cx="8868600" cy="5921640"/>
           </a:xfrm>
           <a:prstGeom prst="rect">
             <a:avLst/>
@@ -7593,7 +7594,7 @@
         <p:spPr>
           <a:xfrm>
             <a:off x="504000" y="301320"/>
-            <a:ext cx="9066600" cy="1257840"/>
+            <a:ext cx="9066240" cy="1257480"/>
           </a:xfrm>
           <a:prstGeom prst="rect">
             <a:avLst/>
@@ -7613,7 +7614,7 @@
         <p:spPr>
           <a:xfrm>
             <a:off x="504000" y="1768680"/>
-            <a:ext cx="9068040" cy="4380120"/>
+            <a:ext cx="9067680" cy="4379760"/>
           </a:xfrm>
           <a:prstGeom prst="rect">
             <a:avLst/>
@@ -7633,7 +7634,7 @@
         <p:spPr>
           <a:xfrm>
             <a:off x="504000" y="357480"/>
-            <a:ext cx="9070200" cy="1095480"/>
+            <a:ext cx="9069840" cy="1095120"/>
           </a:xfrm>
           <a:prstGeom prst="rect">
             <a:avLst/>
@@ -7670,7 +7671,7 @@
         <p:spPr>
           <a:xfrm>
             <a:off x="504000" y="1188720"/>
-            <a:ext cx="9070200" cy="5667480"/>
+            <a:ext cx="9069840" cy="5667120"/>
           </a:xfrm>
           <a:prstGeom prst="rect">
             <a:avLst/>
@@ -7702,7 +7703,7 @@
         <p:spPr>
           <a:xfrm>
             <a:off x="731520" y="1737360"/>
-            <a:ext cx="8502120" cy="1186920"/>
+            <a:ext cx="8501760" cy="1186560"/>
           </a:xfrm>
           <a:prstGeom prst="rect">
             <a:avLst/>
@@ -7747,7 +7748,7 @@
         <p:spPr>
           <a:xfrm>
             <a:off x="591840" y="1645920"/>
-            <a:ext cx="8917200" cy="5090040"/>
+            <a:ext cx="8916840" cy="5089680"/>
           </a:xfrm>
           <a:prstGeom prst="rect">
             <a:avLst/>
@@ -7815,7 +7816,7 @@
         <p:spPr>
           <a:xfrm>
             <a:off x="504000" y="301320"/>
-            <a:ext cx="9066600" cy="1257840"/>
+            <a:ext cx="9066240" cy="1257480"/>
           </a:xfrm>
           <a:prstGeom prst="rect">
             <a:avLst/>
@@ -7835,7 +7836,7 @@
         <p:spPr>
           <a:xfrm>
             <a:off x="504000" y="1768680"/>
-            <a:ext cx="9068040" cy="4380120"/>
+            <a:ext cx="9067680" cy="4379760"/>
           </a:xfrm>
           <a:prstGeom prst="rect">
             <a:avLst/>
@@ -7855,7 +7856,7 @@
         <p:spPr>
           <a:xfrm>
             <a:off x="504000" y="357480"/>
-            <a:ext cx="9070200" cy="1095480"/>
+            <a:ext cx="9069840" cy="1095120"/>
           </a:xfrm>
           <a:prstGeom prst="rect">
             <a:avLst/>
@@ -7892,7 +7893,7 @@
         <p:spPr>
           <a:xfrm>
             <a:off x="504000" y="1188720"/>
-            <a:ext cx="9070200" cy="5667480"/>
+            <a:ext cx="9069840" cy="5667120"/>
           </a:xfrm>
           <a:prstGeom prst="rect">
             <a:avLst/>
@@ -7924,7 +7925,7 @@
         <p:spPr>
           <a:xfrm>
             <a:off x="731520" y="1737360"/>
-            <a:ext cx="8502120" cy="1186920"/>
+            <a:ext cx="8501760" cy="1186560"/>
           </a:xfrm>
           <a:prstGeom prst="rect">
             <a:avLst/>
@@ -7969,7 +7970,7 @@
         <p:spPr>
           <a:xfrm>
             <a:off x="505080" y="1475640"/>
-            <a:ext cx="9143280" cy="4650120"/>
+            <a:ext cx="9142920" cy="4649760"/>
           </a:xfrm>
           <a:prstGeom prst="rect">
             <a:avLst/>
@@ -7988,7 +7989,7 @@
         <p:spPr>
           <a:xfrm>
             <a:off x="1266840" y="6290280"/>
-            <a:ext cx="7785000" cy="658440"/>
+            <a:ext cx="7784640" cy="658080"/>
           </a:xfrm>
           <a:prstGeom prst="rect">
             <a:avLst/>
@@ -8074,7 +8075,7 @@
         <p:spPr>
           <a:xfrm>
             <a:off x="504000" y="301320"/>
-            <a:ext cx="9066600" cy="791640"/>
+            <a:ext cx="9066240" cy="791280"/>
           </a:xfrm>
           <a:prstGeom prst="rect">
             <a:avLst/>
@@ -8117,7 +8118,7 @@
         <p:spPr>
           <a:xfrm>
             <a:off x="91440" y="1463040"/>
-            <a:ext cx="9871200" cy="5398200"/>
+            <a:ext cx="9870840" cy="5397840"/>
           </a:xfrm>
           <a:prstGeom prst="rect">
             <a:avLst/>
@@ -8185,7 +8186,7 @@
         <p:spPr>
           <a:xfrm>
             <a:off x="504000" y="301320"/>
-            <a:ext cx="9066600" cy="883080"/>
+            <a:ext cx="9066240" cy="882720"/>
           </a:xfrm>
           <a:prstGeom prst="rect">
             <a:avLst/>
@@ -8222,7 +8223,7 @@
         <p:spPr>
           <a:xfrm>
             <a:off x="504000" y="1280160"/>
-            <a:ext cx="4339440" cy="5756400"/>
+            <a:ext cx="4339080" cy="5756040"/>
           </a:xfrm>
           <a:prstGeom prst="rect">
             <a:avLst/>
@@ -8382,7 +8383,7 @@
         <p:spPr>
           <a:xfrm>
             <a:off x="4846320" y="1280160"/>
-            <a:ext cx="4569120" cy="5756400"/>
+            <a:ext cx="4568760" cy="5756040"/>
           </a:xfrm>
           <a:prstGeom prst="rect">
             <a:avLst/>
@@ -8552,7 +8553,7 @@
         <p:spPr>
           <a:xfrm>
             <a:off x="504000" y="301320"/>
-            <a:ext cx="9066600" cy="883080"/>
+            <a:ext cx="9066240" cy="882720"/>
           </a:xfrm>
           <a:prstGeom prst="rect">
             <a:avLst/>
@@ -8589,7 +8590,7 @@
         <p:spPr>
           <a:xfrm>
             <a:off x="498600" y="1280160"/>
-            <a:ext cx="4436640" cy="5756400"/>
+            <a:ext cx="4436280" cy="5756040"/>
           </a:xfrm>
           <a:prstGeom prst="rect">
             <a:avLst/>
@@ -8842,7 +8843,7 @@
         <p:spPr>
           <a:xfrm>
             <a:off x="4937760" y="1280160"/>
-            <a:ext cx="4659120" cy="5756400"/>
+            <a:ext cx="4658760" cy="5756040"/>
           </a:xfrm>
           <a:prstGeom prst="rect">
             <a:avLst/>
@@ -8885,7 +8886,7 @@
               <a:rPr lang="en-US" sz="2000">
                 <a:latin typeface="Arial"/>
               </a:rPr>
-              <a:t>implements Ewrapper {</a:t>
+              <a:t>implements EWrapper {</a:t>
             </a:r>
             <a:endParaRPr/>
           </a:p>
@@ -9153,7 +9154,7 @@
         <p:spPr>
           <a:xfrm>
             <a:off x="504000" y="301320"/>
-            <a:ext cx="9066600" cy="883080"/>
+            <a:ext cx="9066240" cy="882720"/>
           </a:xfrm>
           <a:prstGeom prst="rect">
             <a:avLst/>
@@ -9190,7 +9191,7 @@
         <p:spPr>
           <a:xfrm>
             <a:off x="504000" y="1280160"/>
-            <a:ext cx="9066960" cy="5756400"/>
+            <a:ext cx="9066600" cy="5756040"/>
           </a:xfrm>
           <a:prstGeom prst="rect">
             <a:avLst/>
@@ -9368,7 +9369,7 @@
               <a:rPr lang="en-US" sz="2000">
                 <a:latin typeface="Arial"/>
               </a:rPr>
-              <a:t>Difficult automated testing</a:t>
+              <a:t>Difficult (automated) testing</a:t>
             </a:r>
             <a:endParaRPr/>
           </a:p>
@@ -9474,7 +9475,7 @@
         <p:spPr>
           <a:xfrm>
             <a:off x="274320" y="301320"/>
-            <a:ext cx="9509040" cy="978120"/>
+            <a:ext cx="9508680" cy="977760"/>
           </a:xfrm>
           <a:prstGeom prst="rect">
             <a:avLst/>
@@ -9511,7 +9512,7 @@
         <p:spPr>
           <a:xfrm>
             <a:off x="457200" y="1416240"/>
-            <a:ext cx="9051840" cy="686160"/>
+            <a:ext cx="9051480" cy="685800"/>
           </a:xfrm>
           <a:prstGeom prst="rect">
             <a:avLst/>
@@ -9549,7 +9550,7 @@
         <p:spPr>
           <a:xfrm>
             <a:off x="501120" y="2286000"/>
-            <a:ext cx="4436640" cy="4754160"/>
+            <a:ext cx="4436280" cy="4753800"/>
           </a:xfrm>
           <a:prstGeom prst="rect">
             <a:avLst/>
@@ -9631,7 +9632,7 @@
         <p:spPr>
           <a:xfrm>
             <a:off x="4938480" y="2286000"/>
-            <a:ext cx="4659120" cy="4759200"/>
+            <a:ext cx="4658760" cy="4758840"/>
           </a:xfrm>
           <a:prstGeom prst="rect">
             <a:avLst/>
@@ -9674,7 +9675,7 @@
               <a:rPr lang="en-US" sz="2000">
                 <a:latin typeface="Arial"/>
               </a:rPr>
-              <a:t>One can learn a lot of useful details about markets by implementing it on his own.</a:t>
+              <a:t>One can learn a lot of useful details about markets by implementing the functions on his own.</a:t>
             </a:r>
             <a:endParaRPr/>
           </a:p>
@@ -9756,7 +9757,7 @@
         <p:spPr>
           <a:xfrm>
             <a:off x="274320" y="301320"/>
-            <a:ext cx="9509040" cy="978120"/>
+            <a:ext cx="9508680" cy="977760"/>
           </a:xfrm>
           <a:prstGeom prst="rect">
             <a:avLst/>
@@ -9793,7 +9794,7 @@
         <p:spPr>
           <a:xfrm>
             <a:off x="501120" y="1371600"/>
-            <a:ext cx="4436640" cy="5485680"/>
+            <a:ext cx="4436280" cy="5485320"/>
           </a:xfrm>
           <a:prstGeom prst="rect">
             <a:avLst/>
@@ -9836,7 +9837,7 @@
               <a:rPr lang="en-US" sz="2000">
                 <a:latin typeface="Arial"/>
               </a:rPr>
-              <a:t>Custom programming experience: often a weird proprietary language and a second-grade IDE. Can hold you back if you need to code something non-trivial.</a:t>
+              <a:t>Custom programming experience: often a weird proprietary language and a second-grade IDE. May hold you back if you need to code something non-trivial.</a:t>
             </a:r>
             <a:endParaRPr/>
           </a:p>
@@ -9863,7 +9864,7 @@
         <p:spPr>
           <a:xfrm>
             <a:off x="4938480" y="1371600"/>
-            <a:ext cx="4659120" cy="5485680"/>
+            <a:ext cx="4658760" cy="5485320"/>
           </a:xfrm>
           <a:prstGeom prst="rect">
             <a:avLst/>
@@ -9912,7 +9913,7 @@
               <a:rPr lang="en-US" sz="2000">
                 <a:latin typeface="Arial"/>
               </a:rPr>
-              <a:t>Custom programming experience: you can use any language that suits you and first-grade development tools.</a:t>
+              <a:t>Custom programming experience: you can use any language that suits you and use first-grade development tools.</a:t>
             </a:r>
             <a:endParaRPr/>
           </a:p>
@@ -9994,7 +9995,7 @@
         <p:spPr>
           <a:xfrm>
             <a:off x="1188720" y="914400"/>
-            <a:ext cx="7677000" cy="5234400"/>
+            <a:ext cx="7676640" cy="5234040"/>
           </a:xfrm>
           <a:prstGeom prst="rect">
             <a:avLst/>
@@ -10119,7 +10120,7 @@
         <p:spPr>
           <a:xfrm>
             <a:off x="504000" y="457200"/>
-            <a:ext cx="9070560" cy="6765120"/>
+            <a:ext cx="9070200" cy="6764760"/>
           </a:xfrm>
           <a:prstGeom prst="rect">
             <a:avLst/>
@@ -10235,7 +10236,7 @@
         <p:spPr>
           <a:xfrm>
             <a:off x="504000" y="548640"/>
-            <a:ext cx="9068040" cy="6488640"/>
+            <a:ext cx="9067680" cy="6488280"/>
           </a:xfrm>
           <a:prstGeom prst="rect">
             <a:avLst/>
@@ -10429,7 +10430,7 @@
         <p:spPr>
           <a:xfrm>
             <a:off x="365760" y="3145680"/>
-            <a:ext cx="8775000" cy="2886120"/>
+            <a:ext cx="8774640" cy="2885760"/>
           </a:xfrm>
           <a:prstGeom prst="rect">
             <a:avLst/>
@@ -10497,7 +10498,7 @@
         <p:spPr>
           <a:xfrm>
             <a:off x="504000" y="301320"/>
-            <a:ext cx="9066600" cy="1257840"/>
+            <a:ext cx="9066240" cy="1257480"/>
           </a:xfrm>
           <a:prstGeom prst="rect">
             <a:avLst/>
@@ -10517,7 +10518,7 @@
         <p:spPr>
           <a:xfrm>
             <a:off x="504000" y="1768680"/>
-            <a:ext cx="9068040" cy="4380120"/>
+            <a:ext cx="9067680" cy="4379760"/>
           </a:xfrm>
           <a:prstGeom prst="rect">
             <a:avLst/>
@@ -10537,7 +10538,7 @@
         <p:spPr>
           <a:xfrm>
             <a:off x="504000" y="301320"/>
-            <a:ext cx="9070200" cy="977040"/>
+            <a:ext cx="9069840" cy="976680"/>
           </a:xfrm>
           <a:prstGeom prst="rect">
             <a:avLst/>
@@ -10574,7 +10575,7 @@
         <p:spPr>
           <a:xfrm>
             <a:off x="504000" y="1371600"/>
-            <a:ext cx="9070200" cy="5484600"/>
+            <a:ext cx="9069840" cy="5484240"/>
           </a:xfrm>
           <a:prstGeom prst="rect">
             <a:avLst/>
@@ -10612,7 +10613,7 @@
         <p:spPr>
           <a:xfrm>
             <a:off x="914400" y="1645920"/>
-            <a:ext cx="8228160" cy="4936320"/>
+            <a:ext cx="8227800" cy="4935960"/>
           </a:xfrm>
           <a:prstGeom prst="rect">
             <a:avLst/>
@@ -10735,7 +10736,7 @@
         <p:spPr>
           <a:xfrm>
             <a:off x="504000" y="301320"/>
-            <a:ext cx="9066600" cy="1257840"/>
+            <a:ext cx="9066240" cy="1257480"/>
           </a:xfrm>
           <a:prstGeom prst="rect">
             <a:avLst/>
@@ -10755,7 +10756,7 @@
         <p:spPr>
           <a:xfrm>
             <a:off x="504000" y="1768680"/>
-            <a:ext cx="9068040" cy="4380120"/>
+            <a:ext cx="9067680" cy="4379760"/>
           </a:xfrm>
           <a:prstGeom prst="rect">
             <a:avLst/>
@@ -10775,7 +10776,7 @@
         <p:spPr>
           <a:xfrm>
             <a:off x="504000" y="301320"/>
-            <a:ext cx="9070200" cy="977040"/>
+            <a:ext cx="9069840" cy="976680"/>
           </a:xfrm>
           <a:prstGeom prst="rect">
             <a:avLst/>
@@ -10812,7 +10813,7 @@
         <p:spPr>
           <a:xfrm>
             <a:off x="504000" y="1371600"/>
-            <a:ext cx="9070200" cy="5484600"/>
+            <a:ext cx="9069840" cy="5484240"/>
           </a:xfrm>
           <a:prstGeom prst="rect">
             <a:avLst/>
@@ -10850,7 +10851,7 @@
         <p:spPr>
           <a:xfrm>
             <a:off x="914400" y="1645920"/>
-            <a:ext cx="8228160" cy="4936320"/>
+            <a:ext cx="8227800" cy="4935960"/>
           </a:xfrm>
           <a:prstGeom prst="rect">
             <a:avLst/>
@@ -10982,7 +10983,7 @@
         <p:spPr>
           <a:xfrm>
             <a:off x="504000" y="301320"/>
-            <a:ext cx="9066600" cy="1257840"/>
+            <a:ext cx="9066240" cy="1257480"/>
           </a:xfrm>
           <a:prstGeom prst="rect">
             <a:avLst/>
@@ -11002,7 +11003,7 @@
         <p:spPr>
           <a:xfrm>
             <a:off x="504000" y="1768680"/>
-            <a:ext cx="9068040" cy="4380120"/>
+            <a:ext cx="9067680" cy="4379760"/>
           </a:xfrm>
           <a:prstGeom prst="rect">
             <a:avLst/>
@@ -11022,7 +11023,7 @@
         <p:spPr>
           <a:xfrm>
             <a:off x="504000" y="301320"/>
-            <a:ext cx="9070200" cy="977040"/>
+            <a:ext cx="9069840" cy="976680"/>
           </a:xfrm>
           <a:prstGeom prst="rect">
             <a:avLst/>
@@ -11059,7 +11060,7 @@
         <p:spPr>
           <a:xfrm>
             <a:off x="504000" y="1371600"/>
-            <a:ext cx="9070200" cy="5484600"/>
+            <a:ext cx="9069840" cy="5484240"/>
           </a:xfrm>
           <a:prstGeom prst="rect">
             <a:avLst/>
@@ -11146,7 +11147,7 @@
         <p:spPr>
           <a:xfrm>
             <a:off x="457200" y="3291840"/>
-            <a:ext cx="9117000" cy="3930480"/>
+            <a:ext cx="9116640" cy="3930120"/>
           </a:xfrm>
           <a:prstGeom prst="rect">
             <a:avLst/>
@@ -11214,7 +11215,7 @@
         <p:spPr>
           <a:xfrm>
             <a:off x="504000" y="301320"/>
-            <a:ext cx="9066600" cy="1257840"/>
+            <a:ext cx="9066240" cy="1257480"/>
           </a:xfrm>
           <a:prstGeom prst="rect">
             <a:avLst/>
@@ -11234,7 +11235,7 @@
         <p:spPr>
           <a:xfrm>
             <a:off x="504000" y="1768680"/>
-            <a:ext cx="9068040" cy="4380120"/>
+            <a:ext cx="9067680" cy="4379760"/>
           </a:xfrm>
           <a:prstGeom prst="rect">
             <a:avLst/>
@@ -11254,7 +11255,7 @@
         <p:spPr>
           <a:xfrm>
             <a:off x="504000" y="357480"/>
-            <a:ext cx="9070200" cy="1095480"/>
+            <a:ext cx="9069840" cy="1095120"/>
           </a:xfrm>
           <a:prstGeom prst="rect">
             <a:avLst/>
@@ -11291,7 +11292,7 @@
         <p:spPr>
           <a:xfrm>
             <a:off x="504000" y="1188720"/>
-            <a:ext cx="9070200" cy="5667480"/>
+            <a:ext cx="9069840" cy="5667120"/>
           </a:xfrm>
           <a:prstGeom prst="rect">
             <a:avLst/>
@@ -11329,7 +11330,7 @@
         <p:spPr>
           <a:xfrm>
             <a:off x="445320" y="3259440"/>
-            <a:ext cx="9062640" cy="3779640"/>
+            <a:ext cx="9062280" cy="3779280"/>
           </a:xfrm>
           <a:prstGeom prst="rect">
             <a:avLst/>
@@ -11348,7 +11349,7 @@
         <p:spPr>
           <a:xfrm>
             <a:off x="731520" y="1645920"/>
-            <a:ext cx="8502120" cy="1278360"/>
+            <a:ext cx="8501760" cy="1278000"/>
           </a:xfrm>
           <a:prstGeom prst="rect">
             <a:avLst/>
@@ -11429,7 +11430,7 @@
         <p:spPr>
           <a:xfrm>
             <a:off x="504000" y="301320"/>
-            <a:ext cx="9066600" cy="1257840"/>
+            <a:ext cx="9066240" cy="1257480"/>
           </a:xfrm>
           <a:prstGeom prst="rect">
             <a:avLst/>
@@ -11449,7 +11450,7 @@
         <p:spPr>
           <a:xfrm>
             <a:off x="504000" y="1768680"/>
-            <a:ext cx="9068040" cy="4380120"/>
+            <a:ext cx="9067680" cy="4379760"/>
           </a:xfrm>
           <a:prstGeom prst="rect">
             <a:avLst/>
@@ -11469,7 +11470,7 @@
         <p:spPr>
           <a:xfrm>
             <a:off x="504000" y="357480"/>
-            <a:ext cx="9070200" cy="1095480"/>
+            <a:ext cx="9069840" cy="1095120"/>
           </a:xfrm>
           <a:prstGeom prst="rect">
             <a:avLst/>
@@ -11506,7 +11507,7 @@
         <p:spPr>
           <a:xfrm>
             <a:off x="504000" y="1188720"/>
-            <a:ext cx="9070200" cy="5667480"/>
+            <a:ext cx="9069840" cy="5667120"/>
           </a:xfrm>
           <a:prstGeom prst="rect">
             <a:avLst/>
@@ -11538,7 +11539,7 @@
         <p:spPr>
           <a:xfrm>
             <a:off x="731520" y="1737360"/>
-            <a:ext cx="8502120" cy="1186920"/>
+            <a:ext cx="8501760" cy="1186560"/>
           </a:xfrm>
           <a:prstGeom prst="rect">
             <a:avLst/>
@@ -11595,7 +11596,7 @@
         <p:spPr>
           <a:xfrm>
             <a:off x="457200" y="3017520"/>
-            <a:ext cx="9117000" cy="3838680"/>
+            <a:ext cx="9116640" cy="3838320"/>
           </a:xfrm>
           <a:prstGeom prst="rect">
             <a:avLst/>
@@ -11663,7 +11664,7 @@
         <p:spPr>
           <a:xfrm>
             <a:off x="504000" y="301320"/>
-            <a:ext cx="9066600" cy="1257840"/>
+            <a:ext cx="9066240" cy="1257480"/>
           </a:xfrm>
           <a:prstGeom prst="rect">
             <a:avLst/>
@@ -11683,7 +11684,7 @@
         <p:spPr>
           <a:xfrm>
             <a:off x="504000" y="1768680"/>
-            <a:ext cx="9068040" cy="4380120"/>
+            <a:ext cx="9067680" cy="4379760"/>
           </a:xfrm>
           <a:prstGeom prst="rect">
             <a:avLst/>
@@ -11703,7 +11704,7 @@
         <p:spPr>
           <a:xfrm>
             <a:off x="504000" y="357480"/>
-            <a:ext cx="9070200" cy="1095480"/>
+            <a:ext cx="9069840" cy="1095120"/>
           </a:xfrm>
           <a:prstGeom prst="rect">
             <a:avLst/>
@@ -11740,7 +11741,7 @@
         <p:spPr>
           <a:xfrm>
             <a:off x="504000" y="1188720"/>
-            <a:ext cx="9070200" cy="5667480"/>
+            <a:ext cx="9069840" cy="5667120"/>
           </a:xfrm>
           <a:prstGeom prst="rect">
             <a:avLst/>
@@ -11772,7 +11773,7 @@
         <p:spPr>
           <a:xfrm>
             <a:off x="731520" y="1737360"/>
-            <a:ext cx="8502120" cy="1186920"/>
+            <a:ext cx="8501760" cy="1186560"/>
           </a:xfrm>
           <a:prstGeom prst="rect">
             <a:avLst/>
@@ -11811,7 +11812,7 @@
         <p:spPr>
           <a:xfrm>
             <a:off x="731520" y="1554480"/>
-            <a:ext cx="8868960" cy="5394240"/>
+            <a:ext cx="8868600" cy="5393880"/>
           </a:xfrm>
           <a:prstGeom prst="rect">
             <a:avLst/>
